--- a/docs/diagrams/LogicComponentClassDiagram.pptx
+++ b/docs/diagrams/LogicComponentClassDiagram.pptx
@@ -11,7 +11,7 @@
     <p:sldId id="262" r:id="rId2"/>
   </p:sldIdLst>
   <p:sldSz cx="9144000" cy="6858000" type="screen4x3"/>
-  <p:notesSz cx="6858000" cy="9144000"/>
+  <p:notesSz cx="7315200" cy="9601200"/>
   <p:defaultTextStyle>
     <a:defPPr>
       <a:defRPr lang="en-US"/>
@@ -126,10 +126,6 @@
 </p:presentation>
 </file>
 
-<file path=ppt/revisionInfo.xml><?xml version="1.0" encoding="utf-8"?>
-<p1510:revInfo xmlns:a="http://schemas.openxmlformats.org/drawingml/2006/main" xmlns:r="http://schemas.openxmlformats.org/officeDocument/2006/relationships" xmlns:p1510="http://schemas.microsoft.com/office/powerpoint/2015/10/main"/>
-</file>
-
 <file path=ppt/notesMasters/notesMaster1.xml><?xml version="1.0" encoding="utf-8"?>
 <p:notesMaster xmlns:a="http://schemas.openxmlformats.org/drawingml/2006/main" xmlns:r="http://schemas.openxmlformats.org/officeDocument/2006/relationships" xmlns:p="http://schemas.openxmlformats.org/presentationml/2006/main">
   <p:cSld>
@@ -165,17 +161,17 @@
         <p:spPr>
           <a:xfrm>
             <a:off x="0" y="0"/>
-            <a:ext cx="2971800" cy="457200"/>
+            <a:ext cx="3169920" cy="480060"/>
           </a:xfrm>
           <a:prstGeom prst="rect">
             <a:avLst/>
           </a:prstGeom>
         </p:spPr>
         <p:txBody>
-          <a:bodyPr vert="horz" lIns="91440" tIns="45720" rIns="91440" bIns="45720" rtlCol="0"/>
+          <a:bodyPr vert="horz" lIns="96661" tIns="48331" rIns="96661" bIns="48331" rtlCol="0"/>
           <a:lstStyle>
             <a:lvl1pPr algn="l">
-              <a:defRPr sz="1200"/>
+              <a:defRPr sz="1300"/>
             </a:lvl1pPr>
           </a:lstStyle>
           <a:p>
@@ -195,24 +191,24 @@
         </p:nvSpPr>
         <p:spPr>
           <a:xfrm>
-            <a:off x="3884613" y="0"/>
-            <a:ext cx="2971800" cy="457200"/>
+            <a:off x="4143587" y="0"/>
+            <a:ext cx="3169920" cy="480060"/>
           </a:xfrm>
           <a:prstGeom prst="rect">
             <a:avLst/>
           </a:prstGeom>
         </p:spPr>
         <p:txBody>
-          <a:bodyPr vert="horz" lIns="91440" tIns="45720" rIns="91440" bIns="45720" rtlCol="0"/>
+          <a:bodyPr vert="horz" lIns="96661" tIns="48331" rIns="96661" bIns="48331" rtlCol="0"/>
           <a:lstStyle>
             <a:lvl1pPr algn="r">
-              <a:defRPr sz="1200"/>
+              <a:defRPr sz="1300"/>
             </a:lvl1pPr>
           </a:lstStyle>
           <a:p>
             <a:fld id="{F5CC4B3F-88C1-4FFA-B1B6-F41C21DC6924}" type="datetimeFigureOut">
               <a:rPr lang="en-US" smtClean="0"/>
-              <a:t>4/16/2018</a:t>
+              <a:t>4/1/2019</a:t>
             </a:fld>
             <a:endParaRPr lang="en-US"/>
           </a:p>
@@ -230,8 +226,8 @@
         </p:nvSpPr>
         <p:spPr>
           <a:xfrm>
-            <a:off x="1143000" y="685800"/>
-            <a:ext cx="4572000" cy="3429000"/>
+            <a:off x="1257300" y="720725"/>
+            <a:ext cx="4800600" cy="3600450"/>
           </a:xfrm>
           <a:prstGeom prst="rect">
             <a:avLst/>
@@ -244,7 +240,7 @@
           </a:ln>
         </p:spPr>
         <p:txBody>
-          <a:bodyPr vert="horz" lIns="91440" tIns="45720" rIns="91440" bIns="45720" rtlCol="0" anchor="ctr"/>
+          <a:bodyPr vert="horz" lIns="96661" tIns="48331" rIns="96661" bIns="48331" rtlCol="0" anchor="ctr"/>
           <a:lstStyle/>
           <a:p>
             <a:endParaRPr lang="en-US"/>
@@ -263,15 +259,15 @@
         </p:nvSpPr>
         <p:spPr>
           <a:xfrm>
-            <a:off x="685800" y="4343400"/>
-            <a:ext cx="5486400" cy="4114800"/>
+            <a:off x="731520" y="4560570"/>
+            <a:ext cx="5852160" cy="4320540"/>
           </a:xfrm>
           <a:prstGeom prst="rect">
             <a:avLst/>
           </a:prstGeom>
         </p:spPr>
         <p:txBody>
-          <a:bodyPr vert="horz" lIns="91440" tIns="45720" rIns="91440" bIns="45720" rtlCol="0"/>
+          <a:bodyPr vert="horz" lIns="96661" tIns="48331" rIns="96661" bIns="48331" rtlCol="0"/>
           <a:lstStyle/>
           <a:p>
             <a:pPr lvl="0"/>
@@ -322,18 +318,18 @@
         </p:nvSpPr>
         <p:spPr>
           <a:xfrm>
-            <a:off x="0" y="8685213"/>
-            <a:ext cx="2971800" cy="457200"/>
+            <a:off x="0" y="9119474"/>
+            <a:ext cx="3169920" cy="480060"/>
           </a:xfrm>
           <a:prstGeom prst="rect">
             <a:avLst/>
           </a:prstGeom>
         </p:spPr>
         <p:txBody>
-          <a:bodyPr vert="horz" lIns="91440" tIns="45720" rIns="91440" bIns="45720" rtlCol="0" anchor="b"/>
+          <a:bodyPr vert="horz" lIns="96661" tIns="48331" rIns="96661" bIns="48331" rtlCol="0" anchor="b"/>
           <a:lstStyle>
             <a:lvl1pPr algn="l">
-              <a:defRPr sz="1200"/>
+              <a:defRPr sz="1300"/>
             </a:lvl1pPr>
           </a:lstStyle>
           <a:p>
@@ -353,18 +349,18 @@
         </p:nvSpPr>
         <p:spPr>
           <a:xfrm>
-            <a:off x="3884613" y="8685213"/>
-            <a:ext cx="2971800" cy="457200"/>
+            <a:off x="4143587" y="9119474"/>
+            <a:ext cx="3169920" cy="480060"/>
           </a:xfrm>
           <a:prstGeom prst="rect">
             <a:avLst/>
           </a:prstGeom>
         </p:spPr>
         <p:txBody>
-          <a:bodyPr vert="horz" lIns="91440" tIns="45720" rIns="91440" bIns="45720" rtlCol="0" anchor="b"/>
+          <a:bodyPr vert="horz" lIns="96661" tIns="48331" rIns="96661" bIns="48331" rtlCol="0" anchor="b"/>
           <a:lstStyle>
             <a:lvl1pPr algn="r">
-              <a:defRPr sz="1200"/>
+              <a:defRPr sz="1300"/>
             </a:lvl1pPr>
           </a:lstStyle>
           <a:p>
@@ -658,7 +654,7 @@
           <a:p>
             <a:fld id="{78C97017-6FC3-485B-9764-EAC9E56C1D49}" type="datetimeFigureOut">
               <a:rPr lang="en-US" smtClean="0"/>
-              <a:t>4/16/2018</a:t>
+              <a:t>4/1/2019</a:t>
             </a:fld>
             <a:endParaRPr lang="en-US"/>
           </a:p>
@@ -826,7 +822,7 @@
           <a:p>
             <a:fld id="{78C97017-6FC3-485B-9764-EAC9E56C1D49}" type="datetimeFigureOut">
               <a:rPr lang="en-US" smtClean="0"/>
-              <a:t>4/16/2018</a:t>
+              <a:t>4/1/2019</a:t>
             </a:fld>
             <a:endParaRPr lang="en-US"/>
           </a:p>
@@ -1004,7 +1000,7 @@
           <a:p>
             <a:fld id="{78C97017-6FC3-485B-9764-EAC9E56C1D49}" type="datetimeFigureOut">
               <a:rPr lang="en-US" smtClean="0"/>
-              <a:t>4/16/2018</a:t>
+              <a:t>4/1/2019</a:t>
             </a:fld>
             <a:endParaRPr lang="en-US"/>
           </a:p>
@@ -1172,7 +1168,7 @@
           <a:p>
             <a:fld id="{78C97017-6FC3-485B-9764-EAC9E56C1D49}" type="datetimeFigureOut">
               <a:rPr lang="en-US" smtClean="0"/>
-              <a:t>4/16/2018</a:t>
+              <a:t>4/1/2019</a:t>
             </a:fld>
             <a:endParaRPr lang="en-US"/>
           </a:p>
@@ -1417,7 +1413,7 @@
           <a:p>
             <a:fld id="{78C97017-6FC3-485B-9764-EAC9E56C1D49}" type="datetimeFigureOut">
               <a:rPr lang="en-US" smtClean="0"/>
-              <a:t>4/16/2018</a:t>
+              <a:t>4/1/2019</a:t>
             </a:fld>
             <a:endParaRPr lang="en-US"/>
           </a:p>
@@ -1702,7 +1698,7 @@
           <a:p>
             <a:fld id="{78C97017-6FC3-485B-9764-EAC9E56C1D49}" type="datetimeFigureOut">
               <a:rPr lang="en-US" smtClean="0"/>
-              <a:t>4/16/2018</a:t>
+              <a:t>4/1/2019</a:t>
             </a:fld>
             <a:endParaRPr lang="en-US"/>
           </a:p>
@@ -2121,7 +2117,7 @@
           <a:p>
             <a:fld id="{78C97017-6FC3-485B-9764-EAC9E56C1D49}" type="datetimeFigureOut">
               <a:rPr lang="en-US" smtClean="0"/>
-              <a:t>4/16/2018</a:t>
+              <a:t>4/1/2019</a:t>
             </a:fld>
             <a:endParaRPr lang="en-US"/>
           </a:p>
@@ -2238,7 +2234,7 @@
           <a:p>
             <a:fld id="{78C97017-6FC3-485B-9764-EAC9E56C1D49}" type="datetimeFigureOut">
               <a:rPr lang="en-US" smtClean="0"/>
-              <a:t>4/16/2018</a:t>
+              <a:t>4/1/2019</a:t>
             </a:fld>
             <a:endParaRPr lang="en-US"/>
           </a:p>
@@ -2333,7 +2329,7 @@
           <a:p>
             <a:fld id="{78C97017-6FC3-485B-9764-EAC9E56C1D49}" type="datetimeFigureOut">
               <a:rPr lang="en-US" smtClean="0"/>
-              <a:t>4/16/2018</a:t>
+              <a:t>4/1/2019</a:t>
             </a:fld>
             <a:endParaRPr lang="en-US"/>
           </a:p>
@@ -2608,7 +2604,7 @@
           <a:p>
             <a:fld id="{78C97017-6FC3-485B-9764-EAC9E56C1D49}" type="datetimeFigureOut">
               <a:rPr lang="en-US" smtClean="0"/>
-              <a:t>4/16/2018</a:t>
+              <a:t>4/1/2019</a:t>
             </a:fld>
             <a:endParaRPr lang="en-US"/>
           </a:p>
@@ -2860,7 +2856,7 @@
           <a:p>
             <a:fld id="{78C97017-6FC3-485B-9764-EAC9E56C1D49}" type="datetimeFigureOut">
               <a:rPr lang="en-US" smtClean="0"/>
-              <a:t>4/16/2018</a:t>
+              <a:t>4/1/2019</a:t>
             </a:fld>
             <a:endParaRPr lang="en-US"/>
           </a:p>
@@ -3071,7 +3067,7 @@
           <a:p>
             <a:fld id="{78C97017-6FC3-485B-9764-EAC9E56C1D49}" type="datetimeFigureOut">
               <a:rPr lang="en-US" smtClean="0"/>
-              <a:t>4/16/2018</a:t>
+              <a:t>4/1/2019</a:t>
             </a:fld>
             <a:endParaRPr lang="en-US"/>
           </a:p>
@@ -3454,7 +3450,7 @@
         </p:nvSpPr>
         <p:spPr>
           <a:xfrm>
-            <a:off x="1066800" y="914400"/>
+            <a:off x="1077875" y="915835"/>
             <a:ext cx="7084740" cy="3733800"/>
           </a:xfrm>
           <a:prstGeom prst="roundRect">
@@ -3515,7 +3511,7 @@
         </p:nvSpPr>
         <p:spPr>
           <a:xfrm>
-            <a:off x="2095948" y="1253067"/>
+            <a:off x="2090656" y="1069671"/>
             <a:ext cx="1093635" cy="346760"/>
           </a:xfrm>
           <a:prstGeom prst="rect">
@@ -3574,7 +3570,7 @@
         </p:nvSpPr>
         <p:spPr>
           <a:xfrm flipH="1">
-            <a:off x="6878274" y="2740152"/>
+            <a:off x="6878280" y="2267395"/>
             <a:ext cx="970326" cy="346760"/>
           </a:xfrm>
           <a:prstGeom prst="rect">
@@ -3607,7 +3603,7 @@
           <a:p>
             <a:pPr algn="ctr"/>
             <a:r>
-              <a:rPr lang="en-US" sz="1050" b="1" dirty="0" err="1" smtClean="0">
+              <a:rPr lang="en-US" sz="1050" b="1" dirty="0" err="1">
                 <a:solidFill>
                   <a:srgbClr val="0070C0"/>
                 </a:solidFill>
@@ -3630,7 +3626,7 @@
         </p:nvSpPr>
         <p:spPr>
           <a:xfrm>
-            <a:off x="1782495" y="3583530"/>
+            <a:off x="1782483" y="3439575"/>
             <a:ext cx="1093635" cy="346760"/>
           </a:xfrm>
           <a:prstGeom prst="rect">
@@ -3692,12 +3688,12 @@
         </p:nvCxnSpPr>
         <p:spPr>
           <a:xfrm flipH="1" flipV="1">
-            <a:off x="3189583" y="1426447"/>
-            <a:ext cx="4559332" cy="2895973"/>
+            <a:off x="3184291" y="1243051"/>
+            <a:ext cx="4564624" cy="3079369"/>
           </a:xfrm>
           <a:prstGeom prst="bentConnector3">
             <a:avLst>
-              <a:gd name="adj1" fmla="val -5014"/>
+              <a:gd name="adj1" fmla="val -5008"/>
             </a:avLst>
           </a:prstGeom>
           <a:ln w="19050">
@@ -3735,7 +3731,7 @@
         </p:nvCxnSpPr>
         <p:spPr>
           <a:xfrm>
-            <a:off x="1676400" y="1423587"/>
+            <a:off x="1671108" y="1240191"/>
             <a:ext cx="419548" cy="2860"/>
           </a:xfrm>
           <a:prstGeom prst="bentConnector3">
@@ -3907,8 +3903,8 @@
         </p:nvSpPr>
         <p:spPr>
           <a:xfrm>
-            <a:off x="3255418" y="3554995"/>
-            <a:ext cx="1045323" cy="384497"/>
+            <a:off x="4744784" y="3734842"/>
+            <a:ext cx="818288" cy="434292"/>
           </a:xfrm>
           <a:prstGeom prst="rect">
             <a:avLst/>
@@ -3939,12 +3935,20 @@
           <a:p>
             <a:pPr algn="ctr"/>
             <a:r>
-              <a:rPr lang="en-US" sz="1050" dirty="0" err="1" smtClean="0">
+              <a:rPr lang="en-US" sz="1050" dirty="0">
                 <a:solidFill>
                   <a:schemeClr val="bg1"/>
                 </a:solidFill>
               </a:rPr>
-              <a:t>AddressBook</a:t>
+              <a:t>{abstract} </a:t>
+            </a:r>
+            <a:r>
+              <a:rPr lang="en-US" sz="1050" dirty="0" err="1">
+                <a:solidFill>
+                  <a:schemeClr val="bg1"/>
+                </a:solidFill>
+              </a:rPr>
+              <a:t>EntryBook</a:t>
             </a:r>
             <a:endParaRPr lang="en-US" sz="1050" dirty="0">
               <a:solidFill>
@@ -4019,8 +4023,8 @@
         </p:nvSpPr>
         <p:spPr>
           <a:xfrm rot="16200000">
-            <a:off x="398120" y="2150720"/>
-            <a:ext cx="2209800" cy="346760"/>
+            <a:off x="518243" y="2030597"/>
+            <a:ext cx="1969554" cy="346760"/>
           </a:xfrm>
           <a:prstGeom prst="rect">
             <a:avLst/>
@@ -4089,7 +4093,7 @@
         </p:nvSpPr>
         <p:spPr>
           <a:xfrm>
-            <a:off x="1359039" y="3429000"/>
+            <a:off x="1369181" y="3196260"/>
             <a:ext cx="270504" cy="175523"/>
           </a:xfrm>
           <a:prstGeom prst="triangle">
@@ -4146,8 +4150,8 @@
         </p:nvCxnSpPr>
         <p:spPr>
           <a:xfrm rot="10800000">
-            <a:off x="1494291" y="3604524"/>
-            <a:ext cx="288204" cy="152387"/>
+            <a:off x="1504433" y="3371783"/>
+            <a:ext cx="278050" cy="241172"/>
           </a:xfrm>
           <a:prstGeom prst="bentConnector2">
             <a:avLst/>
@@ -4181,14 +4185,14 @@
         <p:nvCxnSpPr>
           <p:cNvPr id="23" name="Straight Arrow Connector 57"/>
           <p:cNvCxnSpPr>
-            <a:stCxn id="5" idx="2"/>
+            <a:cxnSpLocks/>
           </p:cNvCxnSpPr>
           <p:nvPr/>
         </p:nvCxnSpPr>
         <p:spPr>
           <a:xfrm>
-            <a:off x="2329313" y="3930290"/>
-            <a:ext cx="1376" cy="854841"/>
+            <a:off x="2447090" y="3794794"/>
+            <a:ext cx="7145" cy="1008677"/>
           </a:xfrm>
           <a:prstGeom prst="straightConnector1">
             <a:avLst/>
@@ -4264,19 +4268,19 @@
         <p:nvCxnSpPr>
           <p:cNvPr id="25" name="Elbow Connector 63"/>
           <p:cNvCxnSpPr>
+            <a:cxnSpLocks/>
+            <a:stCxn id="5" idx="2"/>
             <a:endCxn id="12" idx="1"/>
           </p:cNvCxnSpPr>
           <p:nvPr/>
         </p:nvCxnSpPr>
         <p:spPr>
-          <a:xfrm>
-            <a:off x="2281833" y="3939492"/>
-            <a:ext cx="4695039" cy="382928"/>
-          </a:xfrm>
-          <a:prstGeom prst="bentConnector3">
-            <a:avLst>
-              <a:gd name="adj1" fmla="val -81"/>
-            </a:avLst>
+          <a:xfrm rot="16200000" flipH="1">
+            <a:off x="4385044" y="1730591"/>
+            <a:ext cx="536085" cy="4647571"/>
+          </a:xfrm>
+          <a:prstGeom prst="bentConnector2">
+            <a:avLst/>
           </a:prstGeom>
           <a:ln w="19050">
             <a:solidFill>
@@ -4311,7 +4315,7 @@
         </p:nvGrpSpPr>
         <p:grpSpPr>
           <a:xfrm>
-            <a:off x="4597400" y="4341168"/>
+            <a:off x="3822803" y="4342708"/>
             <a:ext cx="889000" cy="230832"/>
             <a:chOff x="2895600" y="807932"/>
             <a:chExt cx="889000" cy="230832"/>
@@ -4411,7 +4415,7 @@
         </p:nvGrpSpPr>
         <p:grpSpPr>
           <a:xfrm>
-            <a:off x="4665110" y="1219200"/>
+            <a:off x="4673703" y="1016247"/>
             <a:ext cx="868568" cy="230832"/>
             <a:chOff x="2755838" y="789460"/>
             <a:chExt cx="868568" cy="230832"/>
@@ -4502,45 +4506,6 @@
           </p:txBody>
         </p:sp>
       </p:grpSp>
-      <p:sp>
-        <p:nvSpPr>
-          <p:cNvPr id="33" name="TextBox 32"/>
-          <p:cNvSpPr txBox="1"/>
-          <p:nvPr/>
-        </p:nvSpPr>
-        <p:spPr>
-          <a:xfrm>
-            <a:off x="3048000" y="3733800"/>
-            <a:ext cx="131116" cy="230832"/>
-          </a:xfrm>
-          <a:prstGeom prst="rect">
-            <a:avLst/>
-          </a:prstGeom>
-          <a:noFill/>
-        </p:spPr>
-        <p:txBody>
-          <a:bodyPr wrap="square" lIns="0" tIns="0" rIns="0" bIns="0" rtlCol="0">
-            <a:noAutofit/>
-          </a:bodyPr>
-          <a:lstStyle/>
-          <a:p>
-            <a:pPr algn="r"/>
-            <a:r>
-              <a:rPr lang="en-US" sz="1100" dirty="0">
-                <a:solidFill>
-                  <a:srgbClr val="0070C0"/>
-                </a:solidFill>
-              </a:rPr>
-              <a:t>1</a:t>
-            </a:r>
-            <a:endParaRPr lang="en-SG" sz="1100" dirty="0">
-              <a:solidFill>
-                <a:srgbClr val="0070C0"/>
-              </a:solidFill>
-            </a:endParaRPr>
-          </a:p>
-        </p:txBody>
-      </p:sp>
       <p:cxnSp>
         <p:nvCxnSpPr>
           <p:cNvPr id="39" name="Elbow Connector 122"/>
@@ -4590,8 +4555,8 @@
         </p:nvSpPr>
         <p:spPr>
           <a:xfrm>
-            <a:off x="3174214" y="1862795"/>
-            <a:ext cx="751107" cy="346760"/>
+            <a:off x="4477074" y="1698937"/>
+            <a:ext cx="631258" cy="311037"/>
           </a:xfrm>
           <a:prstGeom prst="rect">
             <a:avLst/>
@@ -4632,7 +4597,7 @@
           <a:p>
             <a:pPr algn="ctr"/>
             <a:r>
-              <a:rPr lang="en-US" sz="1050">
+              <a:rPr lang="en-US" sz="800" dirty="0">
                 <a:solidFill>
                   <a:schemeClr val="bg1"/>
                 </a:solidFill>
@@ -4640,21 +4605,21 @@
               <a:t>Argument</a:t>
             </a:r>
             <a:br>
-              <a:rPr lang="en-US" sz="1050">
+              <a:rPr lang="en-US" sz="800" dirty="0">
                 <a:solidFill>
                   <a:schemeClr val="bg1"/>
                 </a:solidFill>
               </a:rPr>
             </a:br>
             <a:r>
-              <a:rPr lang="en-US" sz="1050">
+              <a:rPr lang="en-US" sz="800" dirty="0">
                 <a:solidFill>
                   <a:schemeClr val="bg1"/>
                 </a:solidFill>
               </a:rPr>
               <a:t>Tokenizer</a:t>
             </a:r>
-            <a:endParaRPr lang="en-SG" sz="1050" dirty="0">
+            <a:endParaRPr lang="en-SG" sz="800" dirty="0">
               <a:solidFill>
                 <a:schemeClr val="bg1"/>
               </a:solidFill>
@@ -4670,8 +4635,8 @@
         </p:nvSpPr>
         <p:spPr>
           <a:xfrm>
-            <a:off x="2238496" y="2454481"/>
-            <a:ext cx="726243" cy="174580"/>
+            <a:off x="3703398" y="1343409"/>
+            <a:ext cx="610362" cy="156595"/>
           </a:xfrm>
           <a:prstGeom prst="rect">
             <a:avLst/>
@@ -4712,7 +4677,7 @@
           <a:p>
             <a:pPr algn="ctr"/>
             <a:r>
-              <a:rPr lang="en-US" sz="1050" dirty="0">
+              <a:rPr lang="en-US" sz="800" dirty="0">
                 <a:solidFill>
                   <a:schemeClr val="bg1"/>
                 </a:solidFill>
@@ -4735,8 +4700,8 @@
         </p:nvSpPr>
         <p:spPr>
           <a:xfrm>
-            <a:off x="3186326" y="2841725"/>
-            <a:ext cx="731636" cy="283820"/>
+            <a:off x="3018163" y="1750010"/>
+            <a:ext cx="614894" cy="254581"/>
           </a:xfrm>
           <a:prstGeom prst="rect">
             <a:avLst/>
@@ -4777,7 +4742,7 @@
           <a:p>
             <a:pPr algn="ctr"/>
             <a:r>
-              <a:rPr lang="en-SG" sz="1050" dirty="0" err="1">
+              <a:rPr lang="en-SG" sz="800" dirty="0" err="1">
                 <a:solidFill>
                   <a:schemeClr val="bg1"/>
                 </a:solidFill>
@@ -4800,8 +4765,8 @@
         </p:nvSpPr>
         <p:spPr>
           <a:xfrm>
-            <a:off x="3186326" y="3190882"/>
-            <a:ext cx="731636" cy="283820"/>
+            <a:off x="2347643" y="1746549"/>
+            <a:ext cx="614894" cy="254581"/>
           </a:xfrm>
           <a:prstGeom prst="rect">
             <a:avLst/>
@@ -4842,14 +4807,14 @@
           <a:p>
             <a:pPr algn="ctr"/>
             <a:r>
-              <a:rPr lang="en-SG" sz="1050" dirty="0" err="1">
+              <a:rPr lang="en-SG" sz="800" dirty="0" err="1">
                 <a:solidFill>
                   <a:schemeClr val="bg1"/>
                 </a:solidFill>
               </a:rPr>
               <a:t>ParserUtil</a:t>
             </a:r>
-            <a:endParaRPr lang="en-SG" sz="1050" dirty="0">
+            <a:endParaRPr lang="en-SG" sz="800" dirty="0">
               <a:solidFill>
                 <a:schemeClr val="bg1"/>
               </a:solidFill>
@@ -4862,15 +4827,15 @@
           <p:cNvPr id="13" name="Elbow Connector 12"/>
           <p:cNvCxnSpPr>
             <a:cxnSpLocks/>
-            <a:stCxn id="60" idx="1"/>
-            <a:endCxn id="58" idx="2"/>
+            <a:stCxn id="60" idx="0"/>
+            <a:endCxn id="58" idx="1"/>
           </p:cNvCxnSpPr>
           <p:nvPr/>
         </p:nvCxnSpPr>
         <p:spPr>
-          <a:xfrm rot="10800000">
-            <a:off x="2601618" y="2629061"/>
-            <a:ext cx="584708" cy="354574"/>
+          <a:xfrm rot="5400000" flipH="1" flipV="1">
+            <a:off x="3350353" y="1396965"/>
+            <a:ext cx="328303" cy="377788"/>
           </a:xfrm>
           <a:prstGeom prst="bentConnector2">
             <a:avLst/>
@@ -4908,15 +4873,15 @@
           <p:cNvPr id="50" name="Elbow Connector 49"/>
           <p:cNvCxnSpPr>
             <a:cxnSpLocks/>
-            <a:stCxn id="56" idx="1"/>
-            <a:endCxn id="58" idx="0"/>
+            <a:stCxn id="56" idx="0"/>
+            <a:endCxn id="58" idx="3"/>
           </p:cNvCxnSpPr>
           <p:nvPr/>
         </p:nvCxnSpPr>
         <p:spPr>
-          <a:xfrm rot="10800000" flipV="1">
-            <a:off x="2601618" y="2036175"/>
-            <a:ext cx="572596" cy="418306"/>
+          <a:xfrm rot="16200000" flipV="1">
+            <a:off x="4414617" y="1320850"/>
+            <a:ext cx="277230" cy="478943"/>
           </a:xfrm>
           <a:prstGeom prst="bentConnector2">
             <a:avLst/>
@@ -4951,16 +4916,22 @@
       </p:cxnSp>
       <p:grpSp>
         <p:nvGrpSpPr>
-          <p:cNvPr id="68" name="Group 67"/>
+          <p:cNvPr id="284" name="Group 283">
+            <a:extLst>
+              <a:ext uri="{FF2B5EF4-FFF2-40B4-BE49-F238E27FC236}">
+                <a16:creationId xmlns:a16="http://schemas.microsoft.com/office/drawing/2014/main" id="{C109ABA4-7A77-4E36-9FE2-719C1F3B5B80}"/>
+              </a:ext>
+            </a:extLst>
+          </p:cNvPr>
           <p:cNvGrpSpPr/>
           <p:nvPr/>
         </p:nvGrpSpPr>
         <p:grpSpPr>
-          <a:xfrm rot="10800000">
-            <a:off x="4687086" y="3784757"/>
-            <a:ext cx="555486" cy="254462"/>
-            <a:chOff x="3703306" y="644022"/>
-            <a:chExt cx="555486" cy="230832"/>
+          <a:xfrm>
+            <a:off x="5017075" y="2613892"/>
+            <a:ext cx="564634" cy="254462"/>
+            <a:chOff x="5746661" y="2844159"/>
+            <a:chExt cx="564634" cy="254462"/>
           </a:xfrm>
         </p:grpSpPr>
         <p:sp>
@@ -4970,9 +4941,9 @@
             <p:nvPr/>
           </p:nvSpPr>
           <p:spPr>
-            <a:xfrm rot="10800000">
-              <a:off x="3703306" y="644022"/>
-              <a:ext cx="555486" cy="230832"/>
+            <a:xfrm>
+              <a:off x="5746661" y="2844159"/>
+              <a:ext cx="555486" cy="254462"/>
             </a:xfrm>
             <a:prstGeom prst="rect">
               <a:avLst/>
@@ -5012,9 +4983,9 @@
             <p:nvPr/>
           </p:nvSpPr>
           <p:spPr>
-            <a:xfrm rot="5400000" flipV="1">
-              <a:off x="3700294" y="741689"/>
-              <a:ext cx="119885" cy="88141"/>
+            <a:xfrm rot="10800000" flipV="1">
+              <a:off x="6179138" y="2898303"/>
+              <a:ext cx="132157" cy="88141"/>
             </a:xfrm>
             <a:prstGeom prst="triangle">
               <a:avLst/>
@@ -5049,7 +5020,7 @@
             <a:lstStyle/>
             <a:p>
               <a:pPr algn="ctr"/>
-              <a:endParaRPr lang="en-SG"/>
+              <a:endParaRPr lang="en-SG" dirty="0"/>
             </a:p>
           </p:txBody>
         </p:sp>
@@ -5119,8 +5090,8 @@
         </p:nvCxnSpPr>
         <p:spPr>
           <a:xfrm rot="5400000" flipH="1" flipV="1">
-            <a:off x="6916385" y="3533423"/>
-            <a:ext cx="893563" cy="542"/>
+            <a:off x="6680009" y="3297041"/>
+            <a:ext cx="1366320" cy="548"/>
           </a:xfrm>
           <a:prstGeom prst="bentConnector3">
             <a:avLst>
@@ -5159,8 +5130,8 @@
         </p:nvCxnSpPr>
         <p:spPr>
           <a:xfrm flipV="1">
-            <a:off x="6066328" y="2913532"/>
-            <a:ext cx="811946" cy="659"/>
+            <a:off x="6170644" y="2440775"/>
+            <a:ext cx="707636" cy="3200"/>
           </a:xfrm>
           <a:prstGeom prst="bentConnector3">
             <a:avLst>
@@ -5202,8 +5173,8 @@
         </p:nvSpPr>
         <p:spPr>
           <a:xfrm>
-            <a:off x="3174214" y="2370131"/>
-            <a:ext cx="750156" cy="340758"/>
+            <a:off x="3694215" y="1694575"/>
+            <a:ext cx="630459" cy="305653"/>
           </a:xfrm>
           <a:prstGeom prst="rect">
             <a:avLst/>
@@ -5244,7 +5215,7 @@
           <a:p>
             <a:pPr algn="ctr"/>
             <a:r>
-              <a:rPr lang="en-SG" sz="1050" dirty="0">
+              <a:rPr lang="en-SG" sz="800" dirty="0">
                 <a:solidFill>
                   <a:schemeClr val="bg1"/>
                 </a:solidFill>
@@ -5252,14 +5223,14 @@
               <a:t>Argument</a:t>
             </a:r>
             <a:br>
-              <a:rPr lang="en-SG" sz="1050" dirty="0">
+              <a:rPr lang="en-SG" sz="800" dirty="0">
                 <a:solidFill>
                   <a:schemeClr val="bg1"/>
                 </a:solidFill>
               </a:rPr>
             </a:br>
             <a:r>
-              <a:rPr lang="en-SG" sz="1050" dirty="0">
+              <a:rPr lang="en-SG" sz="800" dirty="0">
                 <a:solidFill>
                   <a:schemeClr val="bg1"/>
                 </a:solidFill>
@@ -5274,15 +5245,15 @@
           <p:cNvPr id="112" name="Elbow Connector 12"/>
           <p:cNvCxnSpPr>
             <a:cxnSpLocks/>
-            <a:stCxn id="109" idx="1"/>
-            <a:endCxn id="58" idx="3"/>
+            <a:stCxn id="109" idx="0"/>
+            <a:endCxn id="58" idx="2"/>
           </p:cNvCxnSpPr>
           <p:nvPr/>
         </p:nvCxnSpPr>
         <p:spPr>
-          <a:xfrm rot="10800000" flipV="1">
-            <a:off x="2964740" y="2540509"/>
-            <a:ext cx="209475" cy="1261"/>
+          <a:xfrm rot="16200000" flipV="1">
+            <a:off x="3911727" y="1596857"/>
+            <a:ext cx="194571" cy="866"/>
           </a:xfrm>
           <a:prstGeom prst="bentConnector3">
             <a:avLst>
@@ -5322,15 +5293,15 @@
           <p:cNvPr id="118" name="Elbow Connector 49"/>
           <p:cNvCxnSpPr>
             <a:cxnSpLocks/>
-            <a:stCxn id="56" idx="2"/>
-            <a:endCxn id="109" idx="0"/>
+            <a:stCxn id="56" idx="1"/>
+            <a:endCxn id="109" idx="3"/>
           </p:cNvCxnSpPr>
           <p:nvPr/>
         </p:nvCxnSpPr>
         <p:spPr>
-          <a:xfrm rot="5400000">
-            <a:off x="3469242" y="2289605"/>
-            <a:ext cx="160576" cy="476"/>
+          <a:xfrm rot="10800000">
+            <a:off x="4324674" y="1847402"/>
+            <a:ext cx="152400" cy="7054"/>
           </a:xfrm>
           <a:prstGeom prst="bentConnector3">
             <a:avLst>
@@ -5409,7 +5380,7 @@
           <a:p>
             <a:pPr algn="ctr"/>
             <a:r>
-              <a:rPr lang="en-US" sz="1050">
+              <a:rPr lang="en-US" sz="1050" dirty="0">
                 <a:solidFill>
                   <a:schemeClr val="bg1"/>
                 </a:solidFill>
@@ -5438,13 +5409,15 @@
       <p:cxnSp>
         <p:nvCxnSpPr>
           <p:cNvPr id="88" name="Straight Arrow Connector 57"/>
-          <p:cNvCxnSpPr/>
+          <p:cNvCxnSpPr>
+            <a:cxnSpLocks/>
+          </p:cNvCxnSpPr>
           <p:nvPr/>
         </p:nvCxnSpPr>
         <p:spPr>
           <a:xfrm>
-            <a:off x="1971157" y="3939492"/>
-            <a:ext cx="2022" cy="240622"/>
+            <a:off x="1973179" y="3794794"/>
+            <a:ext cx="0" cy="385320"/>
           </a:xfrm>
           <a:prstGeom prst="straightConnector1">
             <a:avLst/>
@@ -5526,7 +5499,7 @@
         </p:nvSpPr>
         <p:spPr>
           <a:xfrm flipH="1">
-            <a:off x="5067626" y="1981200"/>
+            <a:off x="5170820" y="1680974"/>
             <a:ext cx="998702" cy="346760"/>
           </a:xfrm>
           <a:prstGeom prst="rect">
@@ -5592,7 +5565,7 @@
         </p:nvSpPr>
         <p:spPr>
           <a:xfrm flipH="1">
-            <a:off x="5431725" y="2327960"/>
+            <a:off x="5537834" y="2020446"/>
             <a:ext cx="270504" cy="175523"/>
           </a:xfrm>
           <a:prstGeom prst="triangle">
@@ -5637,7 +5610,7 @@
         </p:nvGrpSpPr>
         <p:grpSpPr>
           <a:xfrm rot="5400000">
-            <a:off x="6371505" y="2788428"/>
+            <a:off x="6448563" y="2269768"/>
             <a:ext cx="222304" cy="598286"/>
             <a:chOff x="3965759" y="592436"/>
             <a:chExt cx="254462" cy="503902"/>
@@ -5734,45 +5707,6 @@
           </p:txBody>
         </p:sp>
       </p:grpSp>
-      <p:cxnSp>
-        <p:nvCxnSpPr>
-          <p:cNvPr id="95" name="Straight Connector 94"/>
-          <p:cNvCxnSpPr/>
-          <p:nvPr/>
-        </p:nvCxnSpPr>
-        <p:spPr>
-          <a:xfrm>
-            <a:off x="2893971" y="3687139"/>
-            <a:ext cx="361447" cy="0"/>
-          </a:xfrm>
-          <a:prstGeom prst="line">
-            <a:avLst/>
-          </a:prstGeom>
-          <a:ln w="19050">
-            <a:solidFill>
-              <a:srgbClr val="0070C0"/>
-            </a:solidFill>
-            <a:prstDash val="solid"/>
-            <a:headEnd type="none" w="med" len="med"/>
-            <a:tailEnd type="arrow" w="med" len="med"/>
-          </a:ln>
-          <a:effectLst/>
-        </p:spPr>
-        <p:style>
-          <a:lnRef idx="1">
-            <a:schemeClr val="accent2"/>
-          </a:lnRef>
-          <a:fillRef idx="2">
-            <a:schemeClr val="accent2"/>
-          </a:fillRef>
-          <a:effectRef idx="1">
-            <a:schemeClr val="accent2"/>
-          </a:effectRef>
-          <a:fontRef idx="minor">
-            <a:schemeClr val="dk1"/>
-          </a:fontRef>
-        </p:style>
-      </p:cxnSp>
       <p:sp>
         <p:nvSpPr>
           <p:cNvPr id="42" name="Rectangle 11"/>
@@ -5781,7 +5715,7 @@
         </p:nvSpPr>
         <p:spPr>
           <a:xfrm flipH="1">
-            <a:off x="5074342" y="2740811"/>
+            <a:off x="5178658" y="2270595"/>
             <a:ext cx="991986" cy="346760"/>
           </a:xfrm>
           <a:prstGeom prst="rect">
@@ -5815,7 +5749,7 @@
           <a:p>
             <a:pPr algn="ctr"/>
             <a:r>
-              <a:rPr lang="en-US" sz="1050" b="1" dirty="0" err="1" smtClean="0">
+              <a:rPr lang="en-US" sz="1050" b="1" dirty="0" err="1">
                 <a:solidFill>
                   <a:schemeClr val="bg1"/>
                 </a:solidFill>
@@ -5852,18 +5786,17 @@
           <p:cNvCxnSpPr>
             <a:cxnSpLocks/>
             <a:stCxn id="42" idx="3"/>
+            <a:endCxn id="56" idx="2"/>
           </p:cNvCxnSpPr>
           <p:nvPr/>
         </p:nvCxnSpPr>
         <p:spPr>
           <a:xfrm rot="10800000">
-            <a:off x="3917734" y="2058661"/>
-            <a:ext cx="1156608" cy="855530"/>
-          </a:xfrm>
-          <a:prstGeom prst="bentConnector3">
-            <a:avLst>
-              <a:gd name="adj1" fmla="val 50000"/>
-            </a:avLst>
+            <a:off x="4792704" y="2009975"/>
+            <a:ext cx="385955" cy="434001"/>
+          </a:xfrm>
+          <a:prstGeom prst="bentConnector2">
+            <a:avLst/>
           </a:prstGeom>
           <a:ln w="19050">
             <a:solidFill>
@@ -5899,18 +5832,17 @@
           <p:cNvCxnSpPr>
             <a:cxnSpLocks/>
             <a:stCxn id="42" idx="3"/>
+            <a:endCxn id="109" idx="2"/>
           </p:cNvCxnSpPr>
           <p:nvPr/>
         </p:nvCxnSpPr>
         <p:spPr>
           <a:xfrm rot="10800000">
-            <a:off x="3921964" y="2540511"/>
-            <a:ext cx="1152379" cy="373681"/>
-          </a:xfrm>
-          <a:prstGeom prst="bentConnector3">
-            <a:avLst>
-              <a:gd name="adj1" fmla="val 50000"/>
-            </a:avLst>
+            <a:off x="4009446" y="2000229"/>
+            <a:ext cx="1169213" cy="443747"/>
+          </a:xfrm>
+          <a:prstGeom prst="bentConnector2">
+            <a:avLst/>
           </a:prstGeom>
           <a:ln w="19050">
             <a:solidFill>
@@ -5946,18 +5878,17 @@
           <p:cNvCxnSpPr>
             <a:cxnSpLocks/>
             <a:stCxn id="42" idx="3"/>
+            <a:endCxn id="60" idx="2"/>
           </p:cNvCxnSpPr>
           <p:nvPr/>
         </p:nvCxnSpPr>
         <p:spPr>
-          <a:xfrm rot="10800000" flipV="1">
-            <a:off x="3926192" y="2914191"/>
-            <a:ext cx="1148150" cy="108168"/>
-          </a:xfrm>
-          <a:prstGeom prst="bentConnector3">
-            <a:avLst>
-              <a:gd name="adj1" fmla="val 50000"/>
-            </a:avLst>
+          <a:xfrm rot="10800000">
+            <a:off x="3325610" y="2004591"/>
+            <a:ext cx="1853048" cy="439384"/>
+          </a:xfrm>
+          <a:prstGeom prst="bentConnector2">
+            <a:avLst/>
           </a:prstGeom>
           <a:ln w="19050">
             <a:solidFill>
@@ -5993,18 +5924,17 @@
           <p:cNvCxnSpPr>
             <a:cxnSpLocks/>
             <a:stCxn id="42" idx="3"/>
+            <a:endCxn id="62" idx="2"/>
           </p:cNvCxnSpPr>
           <p:nvPr/>
         </p:nvCxnSpPr>
         <p:spPr>
-          <a:xfrm rot="10800000" flipV="1">
-            <a:off x="3930422" y="2914191"/>
-            <a:ext cx="1143921" cy="439870"/>
-          </a:xfrm>
-          <a:prstGeom prst="bentConnector3">
-            <a:avLst>
-              <a:gd name="adj1" fmla="val 50000"/>
-            </a:avLst>
+          <a:xfrm rot="10800000">
+            <a:off x="2655090" y="2001131"/>
+            <a:ext cx="2523568" cy="442845"/>
+          </a:xfrm>
+          <a:prstGeom prst="bentConnector2">
+            <a:avLst/>
           </a:prstGeom>
           <a:ln w="19050">
             <a:solidFill>
@@ -6038,17 +5968,16 @@
         <p:nvCxnSpPr>
           <p:cNvPr id="51" name="Elbow Connector 50"/>
           <p:cNvCxnSpPr>
-            <a:stCxn id="16" idx="3"/>
-            <a:endCxn id="42" idx="2"/>
+            <a:cxnSpLocks/>
           </p:cNvCxnSpPr>
           <p:nvPr/>
         </p:nvCxnSpPr>
         <p:spPr>
           <a:xfrm flipV="1">
-            <a:off x="4300741" y="3087571"/>
-            <a:ext cx="1269594" cy="659673"/>
-          </a:xfrm>
-          <a:prstGeom prst="bentConnector2">
+            <a:off x="5671637" y="2817335"/>
+            <a:ext cx="1" cy="106628"/>
+          </a:xfrm>
+          <a:prstGeom prst="straightConnector1">
             <a:avLst/>
           </a:prstGeom>
           <a:ln w="19050">
@@ -6059,7 +5988,7 @@
             </a:solidFill>
             <a:prstDash val="sysDot"/>
             <a:headEnd type="none" w="med" len="med"/>
-            <a:tailEnd type="arrow" w="med" len="med"/>
+            <a:tailEnd type="none" w="med" len="med"/>
           </a:ln>
           <a:effectLst/>
         </p:spPr>
@@ -6082,17 +6011,21 @@
         <p:nvCxnSpPr>
           <p:cNvPr id="83" name="Elbow Connector 82"/>
           <p:cNvCxnSpPr>
+            <a:cxnSpLocks/>
+            <a:stCxn id="75" idx="3"/>
             <a:endCxn id="42" idx="0"/>
           </p:cNvCxnSpPr>
           <p:nvPr/>
         </p:nvCxnSpPr>
         <p:spPr>
           <a:xfrm rot="16200000" flipH="1">
-            <a:off x="5451193" y="2621669"/>
-            <a:ext cx="234926" cy="3358"/>
+            <a:off x="5636555" y="2232499"/>
+            <a:ext cx="74626" cy="1565"/>
           </a:xfrm>
           <a:prstGeom prst="bentConnector3">
-            <a:avLst/>
+            <a:avLst>
+              <a:gd name="adj1" fmla="val 50000"/>
+            </a:avLst>
           </a:prstGeom>
           <a:ln>
             <a:solidFill>
@@ -6126,7 +6059,7 @@
         </p:nvSpPr>
         <p:spPr>
           <a:xfrm>
-            <a:off x="6263130" y="1981200"/>
+            <a:off x="6470634" y="1406695"/>
             <a:ext cx="1276614" cy="630473"/>
           </a:xfrm>
           <a:prstGeom prst="foldedCorner">
@@ -6165,7 +6098,7 @@
           <a:p>
             <a:pPr algn="ctr"/>
             <a:r>
-              <a:rPr lang="en-US" sz="1050" dirty="0" err="1" smtClean="0">
+              <a:rPr lang="en-US" sz="1050" dirty="0" err="1">
                 <a:solidFill>
                   <a:schemeClr val="bg1"/>
                 </a:solidFill>
@@ -6173,7 +6106,7 @@
               <a:t>XYZCommand</a:t>
             </a:r>
             <a:r>
-              <a:rPr lang="en-US" sz="1050" dirty="0" smtClean="0">
+              <a:rPr lang="en-US" sz="1050" dirty="0">
                 <a:solidFill>
                   <a:schemeClr val="bg1"/>
                 </a:solidFill>
@@ -6181,7 +6114,7 @@
               <a:t> = </a:t>
             </a:r>
             <a:r>
-              <a:rPr lang="en-US" sz="1050" dirty="0" err="1" smtClean="0">
+              <a:rPr lang="en-US" sz="1050" dirty="0" err="1">
                 <a:solidFill>
                   <a:schemeClr val="bg1"/>
                 </a:solidFill>
@@ -6189,7 +6122,7 @@
               <a:t>AddCommand</a:t>
             </a:r>
             <a:r>
-              <a:rPr lang="en-US" sz="1050" dirty="0" smtClean="0">
+              <a:rPr lang="en-US" sz="1050" dirty="0">
                 <a:solidFill>
                   <a:schemeClr val="bg1"/>
                 </a:solidFill>
@@ -6197,7 +6130,7 @@
               <a:t>, </a:t>
             </a:r>
             <a:r>
-              <a:rPr lang="en-US" sz="1050" dirty="0" err="1" smtClean="0">
+              <a:rPr lang="en-US" sz="1050" dirty="0" err="1">
                 <a:solidFill>
                   <a:schemeClr val="bg1"/>
                 </a:solidFill>
@@ -6205,16 +6138,1099 @@
               <a:t>FindCommand</a:t>
             </a:r>
             <a:r>
-              <a:rPr lang="en-US" sz="1050" dirty="0" smtClean="0">
+              <a:rPr lang="en-US" sz="1050" dirty="0">
                 <a:solidFill>
                   <a:schemeClr val="bg1"/>
                 </a:solidFill>
               </a:rPr>
               <a:t>, etc.</a:t>
             </a:r>
-            <a:endParaRPr lang="en-US" sz="1050" dirty="0">
+          </a:p>
+        </p:txBody>
+      </p:sp>
+      <p:sp>
+        <p:nvSpPr>
+          <p:cNvPr id="222" name="Rectangle 62">
+            <a:extLst>
+              <a:ext uri="{FF2B5EF4-FFF2-40B4-BE49-F238E27FC236}">
+                <a16:creationId xmlns:a16="http://schemas.microsoft.com/office/drawing/2014/main" id="{244B938C-0027-4567-9CFF-988A1AFE6CA8}"/>
+              </a:ext>
+            </a:extLst>
+          </p:cNvPr>
+          <p:cNvSpPr/>
+          <p:nvPr/>
+        </p:nvSpPr>
+        <p:spPr>
+          <a:xfrm>
+            <a:off x="3132380" y="2920447"/>
+            <a:ext cx="817191" cy="434292"/>
+          </a:xfrm>
+          <a:prstGeom prst="rect">
+            <a:avLst/>
+          </a:prstGeom>
+          <a:solidFill>
+            <a:schemeClr val="accent5"/>
+          </a:solidFill>
+          <a:ln/>
+          <a:effectLst/>
+        </p:spPr>
+        <p:style>
+          <a:lnRef idx="1">
+            <a:schemeClr val="accent5"/>
+          </a:lnRef>
+          <a:fillRef idx="2">
+            <a:schemeClr val="accent5"/>
+          </a:fillRef>
+          <a:effectRef idx="1">
+            <a:schemeClr val="accent5"/>
+          </a:effectRef>
+          <a:fontRef idx="minor">
+            <a:schemeClr val="dk1"/>
+          </a:fontRef>
+        </p:style>
+        <p:txBody>
+          <a:bodyPr rtlCol="0" anchor="ctr"/>
+          <a:lstStyle/>
+          <a:p>
+            <a:pPr algn="ctr"/>
+            <a:r>
+              <a:rPr lang="en-US" sz="1050" dirty="0" err="1">
+                <a:solidFill>
+                  <a:schemeClr val="bg1"/>
+                </a:solidFill>
+              </a:rPr>
+              <a:t>EntryBook</a:t>
+            </a:r>
+            <a:r>
+              <a:rPr lang="en-US" sz="1050" dirty="0">
+                <a:solidFill>
+                  <a:schemeClr val="bg1"/>
+                </a:solidFill>
+              </a:rPr>
+              <a:t> List</a:t>
+            </a:r>
+          </a:p>
+          <a:p>
+            <a:pPr algn="ctr"/>
+            <a:r>
+              <a:rPr lang="en-US" sz="1050" dirty="0">
+                <a:solidFill>
+                  <a:schemeClr val="bg1"/>
+                </a:solidFill>
+              </a:rPr>
+              <a:t>Parser</a:t>
+            </a:r>
+            <a:endParaRPr lang="en-SG" sz="1050" dirty="0">
               <a:solidFill>
                 <a:schemeClr val="bg1"/>
+              </a:solidFill>
+            </a:endParaRPr>
+          </a:p>
+        </p:txBody>
+      </p:sp>
+      <p:sp>
+        <p:nvSpPr>
+          <p:cNvPr id="223" name="Rectangle 62">
+            <a:extLst>
+              <a:ext uri="{FF2B5EF4-FFF2-40B4-BE49-F238E27FC236}">
+                <a16:creationId xmlns:a16="http://schemas.microsoft.com/office/drawing/2014/main" id="{8FE3B0BA-19CB-4A5F-B755-41A22D3EB553}"/>
+              </a:ext>
+            </a:extLst>
+          </p:cNvPr>
+          <p:cNvSpPr/>
+          <p:nvPr/>
+        </p:nvSpPr>
+        <p:spPr>
+          <a:xfrm>
+            <a:off x="6385869" y="2920986"/>
+            <a:ext cx="817191" cy="434292"/>
+          </a:xfrm>
+          <a:prstGeom prst="rect">
+            <a:avLst/>
+          </a:prstGeom>
+          <a:solidFill>
+            <a:schemeClr val="accent5"/>
+          </a:solidFill>
+          <a:ln/>
+          <a:effectLst/>
+        </p:spPr>
+        <p:style>
+          <a:lnRef idx="1">
+            <a:schemeClr val="accent5"/>
+          </a:lnRef>
+          <a:fillRef idx="2">
+            <a:schemeClr val="accent5"/>
+          </a:fillRef>
+          <a:effectRef idx="1">
+            <a:schemeClr val="accent5"/>
+          </a:effectRef>
+          <a:fontRef idx="minor">
+            <a:schemeClr val="dk1"/>
+          </a:fontRef>
+        </p:style>
+        <p:txBody>
+          <a:bodyPr rtlCol="0" anchor="ctr"/>
+          <a:lstStyle/>
+          <a:p>
+            <a:pPr algn="ctr"/>
+            <a:r>
+              <a:rPr lang="en-US" sz="1050" dirty="0" err="1">
+                <a:solidFill>
+                  <a:schemeClr val="bg1"/>
+                </a:solidFill>
+              </a:rPr>
+              <a:t>EntryBook</a:t>
+            </a:r>
+            <a:r>
+              <a:rPr lang="en-US" sz="1050" dirty="0">
+                <a:solidFill>
+                  <a:schemeClr val="bg1"/>
+                </a:solidFill>
+              </a:rPr>
+              <a:t> Feeds</a:t>
+            </a:r>
+          </a:p>
+          <a:p>
+            <a:pPr algn="ctr"/>
+            <a:r>
+              <a:rPr lang="en-US" sz="1050" dirty="0">
+                <a:solidFill>
+                  <a:schemeClr val="bg1"/>
+                </a:solidFill>
+              </a:rPr>
+              <a:t>Parser</a:t>
+            </a:r>
+            <a:endParaRPr lang="en-SG" sz="1050" dirty="0">
+              <a:solidFill>
+                <a:schemeClr val="bg1"/>
+              </a:solidFill>
+            </a:endParaRPr>
+          </a:p>
+        </p:txBody>
+      </p:sp>
+      <p:sp>
+        <p:nvSpPr>
+          <p:cNvPr id="224" name="Rectangle 62">
+            <a:extLst>
+              <a:ext uri="{FF2B5EF4-FFF2-40B4-BE49-F238E27FC236}">
+                <a16:creationId xmlns:a16="http://schemas.microsoft.com/office/drawing/2014/main" id="{5B059C39-D611-4650-BE24-311B3D9572EE}"/>
+              </a:ext>
+            </a:extLst>
+          </p:cNvPr>
+          <p:cNvSpPr/>
+          <p:nvPr/>
+        </p:nvSpPr>
+        <p:spPr>
+          <a:xfrm>
+            <a:off x="5299129" y="2923588"/>
+            <a:ext cx="817191" cy="434292"/>
+          </a:xfrm>
+          <a:prstGeom prst="rect">
+            <a:avLst/>
+          </a:prstGeom>
+          <a:solidFill>
+            <a:schemeClr val="accent5"/>
+          </a:solidFill>
+          <a:ln/>
+          <a:effectLst/>
+        </p:spPr>
+        <p:style>
+          <a:lnRef idx="1">
+            <a:schemeClr val="accent5"/>
+          </a:lnRef>
+          <a:fillRef idx="2">
+            <a:schemeClr val="accent5"/>
+          </a:fillRef>
+          <a:effectRef idx="1">
+            <a:schemeClr val="accent5"/>
+          </a:effectRef>
+          <a:fontRef idx="minor">
+            <a:schemeClr val="dk1"/>
+          </a:fontRef>
+        </p:style>
+        <p:txBody>
+          <a:bodyPr rtlCol="0" anchor="ctr"/>
+          <a:lstStyle/>
+          <a:p>
+            <a:pPr algn="ctr"/>
+            <a:r>
+              <a:rPr lang="en-US" sz="1050" dirty="0" err="1">
+                <a:solidFill>
+                  <a:schemeClr val="bg1"/>
+                </a:solidFill>
+              </a:rPr>
+              <a:t>EntryBook</a:t>
+            </a:r>
+            <a:r>
+              <a:rPr lang="en-US" sz="1050" dirty="0">
+                <a:solidFill>
+                  <a:schemeClr val="bg1"/>
+                </a:solidFill>
+              </a:rPr>
+              <a:t> Search</a:t>
+            </a:r>
+          </a:p>
+          <a:p>
+            <a:pPr algn="ctr"/>
+            <a:r>
+              <a:rPr lang="en-US" sz="1050" dirty="0">
+                <a:solidFill>
+                  <a:schemeClr val="bg1"/>
+                </a:solidFill>
+              </a:rPr>
+              <a:t>Parser</a:t>
+            </a:r>
+            <a:endParaRPr lang="en-SG" sz="1050" dirty="0">
+              <a:solidFill>
+                <a:schemeClr val="bg1"/>
+              </a:solidFill>
+            </a:endParaRPr>
+          </a:p>
+        </p:txBody>
+      </p:sp>
+      <p:sp>
+        <p:nvSpPr>
+          <p:cNvPr id="226" name="Rectangle 62">
+            <a:extLst>
+              <a:ext uri="{FF2B5EF4-FFF2-40B4-BE49-F238E27FC236}">
+                <a16:creationId xmlns:a16="http://schemas.microsoft.com/office/drawing/2014/main" id="{29CF4A19-0598-46C5-A8BC-570EB954ABDD}"/>
+              </a:ext>
+            </a:extLst>
+          </p:cNvPr>
+          <p:cNvSpPr/>
+          <p:nvPr/>
+        </p:nvSpPr>
+        <p:spPr>
+          <a:xfrm>
+            <a:off x="4211320" y="2920986"/>
+            <a:ext cx="817191" cy="434292"/>
+          </a:xfrm>
+          <a:prstGeom prst="rect">
+            <a:avLst/>
+          </a:prstGeom>
+          <a:solidFill>
+            <a:schemeClr val="accent5"/>
+          </a:solidFill>
+          <a:ln/>
+          <a:effectLst/>
+        </p:spPr>
+        <p:style>
+          <a:lnRef idx="1">
+            <a:schemeClr val="accent5"/>
+          </a:lnRef>
+          <a:fillRef idx="2">
+            <a:schemeClr val="accent5"/>
+          </a:fillRef>
+          <a:effectRef idx="1">
+            <a:schemeClr val="accent5"/>
+          </a:effectRef>
+          <a:fontRef idx="minor">
+            <a:schemeClr val="dk1"/>
+          </a:fontRef>
+        </p:style>
+        <p:txBody>
+          <a:bodyPr rtlCol="0" anchor="ctr"/>
+          <a:lstStyle/>
+          <a:p>
+            <a:pPr algn="ctr"/>
+            <a:r>
+              <a:rPr lang="en-US" sz="1050" dirty="0" err="1">
+                <a:solidFill>
+                  <a:schemeClr val="bg1"/>
+                </a:solidFill>
+              </a:rPr>
+              <a:t>EntryBook</a:t>
+            </a:r>
+            <a:r>
+              <a:rPr lang="en-US" sz="1050" dirty="0">
+                <a:solidFill>
+                  <a:schemeClr val="bg1"/>
+                </a:solidFill>
+              </a:rPr>
+              <a:t> Archives</a:t>
+            </a:r>
+          </a:p>
+          <a:p>
+            <a:pPr algn="ctr"/>
+            <a:r>
+              <a:rPr lang="en-US" sz="1050" dirty="0">
+                <a:solidFill>
+                  <a:schemeClr val="bg1"/>
+                </a:solidFill>
+              </a:rPr>
+              <a:t>Parser</a:t>
+            </a:r>
+            <a:endParaRPr lang="en-SG" sz="1050" dirty="0">
+              <a:solidFill>
+                <a:schemeClr val="bg1"/>
+              </a:solidFill>
+            </a:endParaRPr>
+          </a:p>
+        </p:txBody>
+      </p:sp>
+      <p:cxnSp>
+        <p:nvCxnSpPr>
+          <p:cNvPr id="286" name="Elbow Connector 50">
+            <a:extLst>
+              <a:ext uri="{FF2B5EF4-FFF2-40B4-BE49-F238E27FC236}">
+                <a16:creationId xmlns:a16="http://schemas.microsoft.com/office/drawing/2014/main" id="{C0C47BAD-0073-4E6D-849B-E4320013F8CE}"/>
+              </a:ext>
+            </a:extLst>
+          </p:cNvPr>
+          <p:cNvCxnSpPr>
+            <a:cxnSpLocks/>
+            <a:stCxn id="222" idx="0"/>
+            <a:endCxn id="42" idx="2"/>
+          </p:cNvCxnSpPr>
+          <p:nvPr/>
+        </p:nvCxnSpPr>
+        <p:spPr>
+          <a:xfrm rot="5400000" flipH="1" flipV="1">
+            <a:off x="4456267" y="1702064"/>
+            <a:ext cx="303092" cy="2133675"/>
+          </a:xfrm>
+          <a:prstGeom prst="bentConnector3">
+            <a:avLst>
+              <a:gd name="adj1" fmla="val 33239"/>
+            </a:avLst>
+          </a:prstGeom>
+          <a:ln w="19050">
+            <a:solidFill>
+              <a:schemeClr val="accent5">
+                <a:lumMod val="75000"/>
+              </a:schemeClr>
+            </a:solidFill>
+            <a:prstDash val="sysDot"/>
+            <a:headEnd type="none" w="med" len="med"/>
+            <a:tailEnd type="arrow" w="med" len="med"/>
+          </a:ln>
+          <a:effectLst/>
+        </p:spPr>
+        <p:style>
+          <a:lnRef idx="1">
+            <a:schemeClr val="accent2"/>
+          </a:lnRef>
+          <a:fillRef idx="2">
+            <a:schemeClr val="accent2"/>
+          </a:fillRef>
+          <a:effectRef idx="1">
+            <a:schemeClr val="accent2"/>
+          </a:effectRef>
+          <a:fontRef idx="minor">
+            <a:schemeClr val="dk1"/>
+          </a:fontRef>
+        </p:style>
+      </p:cxnSp>
+      <p:cxnSp>
+        <p:nvCxnSpPr>
+          <p:cNvPr id="288" name="Elbow Connector 50">
+            <a:extLst>
+              <a:ext uri="{FF2B5EF4-FFF2-40B4-BE49-F238E27FC236}">
+                <a16:creationId xmlns:a16="http://schemas.microsoft.com/office/drawing/2014/main" id="{4F2FC01D-59DE-4AB4-A4F2-B80DAF11B8B6}"/>
+              </a:ext>
+            </a:extLst>
+          </p:cNvPr>
+          <p:cNvCxnSpPr>
+            <a:cxnSpLocks/>
+            <a:stCxn id="226" idx="0"/>
+          </p:cNvCxnSpPr>
+          <p:nvPr/>
+        </p:nvCxnSpPr>
+        <p:spPr>
+          <a:xfrm flipV="1">
+            <a:off x="4619916" y="2819376"/>
+            <a:ext cx="2" cy="101610"/>
+          </a:xfrm>
+          <a:prstGeom prst="straightConnector1">
+            <a:avLst/>
+          </a:prstGeom>
+          <a:ln w="19050">
+            <a:solidFill>
+              <a:schemeClr val="accent5">
+                <a:lumMod val="75000"/>
+              </a:schemeClr>
+            </a:solidFill>
+            <a:prstDash val="sysDot"/>
+            <a:headEnd type="none" w="med" len="med"/>
+            <a:tailEnd type="none" w="med" len="med"/>
+          </a:ln>
+          <a:effectLst/>
+        </p:spPr>
+        <p:style>
+          <a:lnRef idx="1">
+            <a:schemeClr val="accent2"/>
+          </a:lnRef>
+          <a:fillRef idx="2">
+            <a:schemeClr val="accent2"/>
+          </a:fillRef>
+          <a:effectRef idx="1">
+            <a:schemeClr val="accent2"/>
+          </a:effectRef>
+          <a:fontRef idx="minor">
+            <a:schemeClr val="dk1"/>
+          </a:fontRef>
+        </p:style>
+      </p:cxnSp>
+      <p:cxnSp>
+        <p:nvCxnSpPr>
+          <p:cNvPr id="289" name="Elbow Connector 50">
+            <a:extLst>
+              <a:ext uri="{FF2B5EF4-FFF2-40B4-BE49-F238E27FC236}">
+                <a16:creationId xmlns:a16="http://schemas.microsoft.com/office/drawing/2014/main" id="{B8897809-A98A-4B25-8B39-EE02A1B1459F}"/>
+              </a:ext>
+            </a:extLst>
+          </p:cNvPr>
+          <p:cNvCxnSpPr>
+            <a:cxnSpLocks/>
+            <a:stCxn id="223" idx="0"/>
+            <a:endCxn id="42" idx="2"/>
+          </p:cNvCxnSpPr>
+          <p:nvPr/>
+        </p:nvCxnSpPr>
+        <p:spPr>
+          <a:xfrm rot="16200000" flipV="1">
+            <a:off x="6082743" y="2209264"/>
+            <a:ext cx="303631" cy="1119814"/>
+          </a:xfrm>
+          <a:prstGeom prst="bentConnector3">
+            <a:avLst>
+              <a:gd name="adj1" fmla="val 34942"/>
+            </a:avLst>
+          </a:prstGeom>
+          <a:ln w="19050">
+            <a:solidFill>
+              <a:schemeClr val="accent5">
+                <a:lumMod val="75000"/>
+              </a:schemeClr>
+            </a:solidFill>
+            <a:prstDash val="sysDot"/>
+            <a:headEnd type="none" w="med" len="med"/>
+            <a:tailEnd type="arrow" w="med" len="med"/>
+          </a:ln>
+          <a:effectLst/>
+        </p:spPr>
+        <p:style>
+          <a:lnRef idx="1">
+            <a:schemeClr val="accent2"/>
+          </a:lnRef>
+          <a:fillRef idx="2">
+            <a:schemeClr val="accent2"/>
+          </a:fillRef>
+          <a:effectRef idx="1">
+            <a:schemeClr val="accent2"/>
+          </a:effectRef>
+          <a:fontRef idx="minor">
+            <a:schemeClr val="dk1"/>
+          </a:fontRef>
+        </p:style>
+      </p:cxnSp>
+      <p:cxnSp>
+        <p:nvCxnSpPr>
+          <p:cNvPr id="294" name="Elbow Connector 63">
+            <a:extLst>
+              <a:ext uri="{FF2B5EF4-FFF2-40B4-BE49-F238E27FC236}">
+                <a16:creationId xmlns:a16="http://schemas.microsoft.com/office/drawing/2014/main" id="{20BB1BB9-DA31-45A2-A8E0-C2E5894A6C5E}"/>
+              </a:ext>
+            </a:extLst>
+          </p:cNvPr>
+          <p:cNvCxnSpPr>
+            <a:cxnSpLocks/>
+            <a:stCxn id="5" idx="3"/>
+            <a:endCxn id="222" idx="1"/>
+          </p:cNvCxnSpPr>
+          <p:nvPr/>
+        </p:nvCxnSpPr>
+        <p:spPr>
+          <a:xfrm flipV="1">
+            <a:off x="2876118" y="3137593"/>
+            <a:ext cx="256262" cy="475362"/>
+          </a:xfrm>
+          <a:prstGeom prst="bentConnector3">
+            <a:avLst>
+              <a:gd name="adj1" fmla="val 50000"/>
+            </a:avLst>
+          </a:prstGeom>
+          <a:ln w="19050">
+            <a:solidFill>
+              <a:srgbClr val="0070C0"/>
+            </a:solidFill>
+            <a:prstDash val="sysDot"/>
+            <a:headEnd type="none" w="med" len="med"/>
+            <a:tailEnd type="arrow" w="med" len="med"/>
+          </a:ln>
+          <a:effectLst/>
+        </p:spPr>
+        <p:style>
+          <a:lnRef idx="1">
+            <a:schemeClr val="accent2"/>
+          </a:lnRef>
+          <a:fillRef idx="2">
+            <a:schemeClr val="accent2"/>
+          </a:fillRef>
+          <a:effectRef idx="1">
+            <a:schemeClr val="accent2"/>
+          </a:effectRef>
+          <a:fontRef idx="minor">
+            <a:schemeClr val="dk1"/>
+          </a:fontRef>
+        </p:style>
+      </p:cxnSp>
+      <p:cxnSp>
+        <p:nvCxnSpPr>
+          <p:cNvPr id="300" name="Elbow Connector 63">
+            <a:extLst>
+              <a:ext uri="{FF2B5EF4-FFF2-40B4-BE49-F238E27FC236}">
+                <a16:creationId xmlns:a16="http://schemas.microsoft.com/office/drawing/2014/main" id="{FB62ADCA-EC1A-4FCC-ABB3-4D8CD17DCDB8}"/>
+              </a:ext>
+            </a:extLst>
+          </p:cNvPr>
+          <p:cNvCxnSpPr>
+            <a:cxnSpLocks/>
+            <a:stCxn id="5" idx="3"/>
+            <a:endCxn id="226" idx="1"/>
+          </p:cNvCxnSpPr>
+          <p:nvPr/>
+        </p:nvCxnSpPr>
+        <p:spPr>
+          <a:xfrm flipV="1">
+            <a:off x="2876118" y="3138132"/>
+            <a:ext cx="1335202" cy="474823"/>
+          </a:xfrm>
+          <a:prstGeom prst="bentConnector3">
+            <a:avLst>
+              <a:gd name="adj1" fmla="val 87286"/>
+            </a:avLst>
+          </a:prstGeom>
+          <a:ln w="19050">
+            <a:solidFill>
+              <a:srgbClr val="0070C0"/>
+            </a:solidFill>
+            <a:prstDash val="sysDot"/>
+            <a:headEnd type="none" w="med" len="med"/>
+            <a:tailEnd type="arrow" w="med" len="med"/>
+          </a:ln>
+          <a:effectLst/>
+        </p:spPr>
+        <p:style>
+          <a:lnRef idx="1">
+            <a:schemeClr val="accent2"/>
+          </a:lnRef>
+          <a:fillRef idx="2">
+            <a:schemeClr val="accent2"/>
+          </a:fillRef>
+          <a:effectRef idx="1">
+            <a:schemeClr val="accent2"/>
+          </a:effectRef>
+          <a:fontRef idx="minor">
+            <a:schemeClr val="dk1"/>
+          </a:fontRef>
+        </p:style>
+      </p:cxnSp>
+      <p:cxnSp>
+        <p:nvCxnSpPr>
+          <p:cNvPr id="301" name="Elbow Connector 63">
+            <a:extLst>
+              <a:ext uri="{FF2B5EF4-FFF2-40B4-BE49-F238E27FC236}">
+                <a16:creationId xmlns:a16="http://schemas.microsoft.com/office/drawing/2014/main" id="{637A401F-A0AE-49D7-A305-8743FD2C1370}"/>
+              </a:ext>
+            </a:extLst>
+          </p:cNvPr>
+          <p:cNvCxnSpPr>
+            <a:cxnSpLocks/>
+            <a:stCxn id="5" idx="3"/>
+            <a:endCxn id="224" idx="1"/>
+          </p:cNvCxnSpPr>
+          <p:nvPr/>
+        </p:nvCxnSpPr>
+        <p:spPr>
+          <a:xfrm flipV="1">
+            <a:off x="2876118" y="3140734"/>
+            <a:ext cx="2423011" cy="472221"/>
+          </a:xfrm>
+          <a:prstGeom prst="bentConnector3">
+            <a:avLst>
+              <a:gd name="adj1" fmla="val 91722"/>
+            </a:avLst>
+          </a:prstGeom>
+          <a:ln w="19050">
+            <a:solidFill>
+              <a:srgbClr val="0070C0"/>
+            </a:solidFill>
+            <a:prstDash val="sysDot"/>
+            <a:headEnd type="none" w="med" len="med"/>
+            <a:tailEnd type="arrow" w="med" len="med"/>
+          </a:ln>
+          <a:effectLst/>
+        </p:spPr>
+        <p:style>
+          <a:lnRef idx="1">
+            <a:schemeClr val="accent2"/>
+          </a:lnRef>
+          <a:fillRef idx="2">
+            <a:schemeClr val="accent2"/>
+          </a:fillRef>
+          <a:effectRef idx="1">
+            <a:schemeClr val="accent2"/>
+          </a:effectRef>
+          <a:fontRef idx="minor">
+            <a:schemeClr val="dk1"/>
+          </a:fontRef>
+        </p:style>
+      </p:cxnSp>
+      <p:cxnSp>
+        <p:nvCxnSpPr>
+          <p:cNvPr id="302" name="Elbow Connector 63">
+            <a:extLst>
+              <a:ext uri="{FF2B5EF4-FFF2-40B4-BE49-F238E27FC236}">
+                <a16:creationId xmlns:a16="http://schemas.microsoft.com/office/drawing/2014/main" id="{2DFD55E0-E41E-4535-B263-5C490AA9B965}"/>
+              </a:ext>
+            </a:extLst>
+          </p:cNvPr>
+          <p:cNvCxnSpPr>
+            <a:cxnSpLocks/>
+            <a:stCxn id="5" idx="3"/>
+            <a:endCxn id="223" idx="1"/>
+          </p:cNvCxnSpPr>
+          <p:nvPr/>
+        </p:nvCxnSpPr>
+        <p:spPr>
+          <a:xfrm flipV="1">
+            <a:off x="2876118" y="3138132"/>
+            <a:ext cx="3509751" cy="474823"/>
+          </a:xfrm>
+          <a:prstGeom prst="bentConnector3">
+            <a:avLst>
+              <a:gd name="adj1" fmla="val 94435"/>
+            </a:avLst>
+          </a:prstGeom>
+          <a:ln w="19050">
+            <a:solidFill>
+              <a:srgbClr val="0070C0"/>
+            </a:solidFill>
+            <a:prstDash val="sysDot"/>
+            <a:headEnd type="none" w="med" len="med"/>
+            <a:tailEnd type="arrow" w="med" len="med"/>
+          </a:ln>
+          <a:effectLst/>
+        </p:spPr>
+        <p:style>
+          <a:lnRef idx="1">
+            <a:schemeClr val="accent2"/>
+          </a:lnRef>
+          <a:fillRef idx="2">
+            <a:schemeClr val="accent2"/>
+          </a:fillRef>
+          <a:effectRef idx="1">
+            <a:schemeClr val="accent2"/>
+          </a:effectRef>
+          <a:fontRef idx="minor">
+            <a:schemeClr val="dk1"/>
+          </a:fontRef>
+        </p:style>
+      </p:cxnSp>
+      <p:cxnSp>
+        <p:nvCxnSpPr>
+          <p:cNvPr id="382" name="Straight Connector 381">
+            <a:extLst>
+              <a:ext uri="{FF2B5EF4-FFF2-40B4-BE49-F238E27FC236}">
+                <a16:creationId xmlns:a16="http://schemas.microsoft.com/office/drawing/2014/main" id="{1373E3F4-195F-4657-A124-3AA6A29885C9}"/>
+              </a:ext>
+            </a:extLst>
+          </p:cNvPr>
+          <p:cNvCxnSpPr>
+            <a:cxnSpLocks/>
+            <a:stCxn id="16" idx="1"/>
+            <a:endCxn id="222" idx="2"/>
+          </p:cNvCxnSpPr>
+          <p:nvPr/>
+        </p:nvCxnSpPr>
+        <p:spPr>
+          <a:xfrm rot="10800000">
+            <a:off x="3540976" y="3354740"/>
+            <a:ext cx="1203808" cy="597249"/>
+          </a:xfrm>
+          <a:prstGeom prst="bentConnector2">
+            <a:avLst/>
+          </a:prstGeom>
+          <a:ln w="19050">
+            <a:solidFill>
+              <a:schemeClr val="accent5">
+                <a:lumMod val="75000"/>
+              </a:schemeClr>
+            </a:solidFill>
+            <a:prstDash val="solid"/>
+            <a:headEnd type="none" w="med" len="med"/>
+            <a:tailEnd type="arrow" w="med" len="med"/>
+          </a:ln>
+          <a:effectLst/>
+        </p:spPr>
+        <p:style>
+          <a:lnRef idx="1">
+            <a:schemeClr val="accent2"/>
+          </a:lnRef>
+          <a:fillRef idx="2">
+            <a:schemeClr val="accent2"/>
+          </a:fillRef>
+          <a:effectRef idx="1">
+            <a:schemeClr val="accent2"/>
+          </a:effectRef>
+          <a:fontRef idx="minor">
+            <a:schemeClr val="dk1"/>
+          </a:fontRef>
+        </p:style>
+      </p:cxnSp>
+      <p:cxnSp>
+        <p:nvCxnSpPr>
+          <p:cNvPr id="389" name="Straight Connector 381">
+            <a:extLst>
+              <a:ext uri="{FF2B5EF4-FFF2-40B4-BE49-F238E27FC236}">
+                <a16:creationId xmlns:a16="http://schemas.microsoft.com/office/drawing/2014/main" id="{8B0DAB3D-5C7D-46BC-BD17-78C871975EB8}"/>
+              </a:ext>
+            </a:extLst>
+          </p:cNvPr>
+          <p:cNvCxnSpPr>
+            <a:cxnSpLocks/>
+            <a:stCxn id="16" idx="1"/>
+            <a:endCxn id="226" idx="2"/>
+          </p:cNvCxnSpPr>
+          <p:nvPr/>
+        </p:nvCxnSpPr>
+        <p:spPr>
+          <a:xfrm rot="10800000">
+            <a:off x="4619916" y="3355278"/>
+            <a:ext cx="124868" cy="596710"/>
+          </a:xfrm>
+          <a:prstGeom prst="bentConnector2">
+            <a:avLst/>
+          </a:prstGeom>
+          <a:ln w="19050">
+            <a:solidFill>
+              <a:schemeClr val="accent5">
+                <a:lumMod val="75000"/>
+              </a:schemeClr>
+            </a:solidFill>
+            <a:prstDash val="solid"/>
+            <a:headEnd type="none" w="med" len="med"/>
+            <a:tailEnd type="arrow" w="med" len="med"/>
+          </a:ln>
+          <a:effectLst/>
+        </p:spPr>
+        <p:style>
+          <a:lnRef idx="1">
+            <a:schemeClr val="accent2"/>
+          </a:lnRef>
+          <a:fillRef idx="2">
+            <a:schemeClr val="accent2"/>
+          </a:fillRef>
+          <a:effectRef idx="1">
+            <a:schemeClr val="accent2"/>
+          </a:effectRef>
+          <a:fontRef idx="minor">
+            <a:schemeClr val="dk1"/>
+          </a:fontRef>
+        </p:style>
+      </p:cxnSp>
+      <p:cxnSp>
+        <p:nvCxnSpPr>
+          <p:cNvPr id="398" name="Straight Connector 381">
+            <a:extLst>
+              <a:ext uri="{FF2B5EF4-FFF2-40B4-BE49-F238E27FC236}">
+                <a16:creationId xmlns:a16="http://schemas.microsoft.com/office/drawing/2014/main" id="{6242C80C-D4B5-4293-9881-209F338E64A2}"/>
+              </a:ext>
+            </a:extLst>
+          </p:cNvPr>
+          <p:cNvCxnSpPr>
+            <a:cxnSpLocks/>
+            <a:stCxn id="16" idx="3"/>
+            <a:endCxn id="223" idx="2"/>
+          </p:cNvCxnSpPr>
+          <p:nvPr/>
+        </p:nvCxnSpPr>
+        <p:spPr>
+          <a:xfrm flipV="1">
+            <a:off x="5563072" y="3355278"/>
+            <a:ext cx="1231393" cy="596710"/>
+          </a:xfrm>
+          <a:prstGeom prst="bentConnector2">
+            <a:avLst/>
+          </a:prstGeom>
+          <a:ln w="19050">
+            <a:solidFill>
+              <a:schemeClr val="accent5">
+                <a:lumMod val="75000"/>
+              </a:schemeClr>
+            </a:solidFill>
+            <a:prstDash val="solid"/>
+            <a:headEnd type="none" w="med" len="med"/>
+            <a:tailEnd type="arrow" w="med" len="med"/>
+          </a:ln>
+          <a:effectLst/>
+        </p:spPr>
+        <p:style>
+          <a:lnRef idx="1">
+            <a:schemeClr val="accent2"/>
+          </a:lnRef>
+          <a:fillRef idx="2">
+            <a:schemeClr val="accent2"/>
+          </a:fillRef>
+          <a:effectRef idx="1">
+            <a:schemeClr val="accent2"/>
+          </a:effectRef>
+          <a:fontRef idx="minor">
+            <a:schemeClr val="dk1"/>
+          </a:fontRef>
+        </p:style>
+      </p:cxnSp>
+      <p:cxnSp>
+        <p:nvCxnSpPr>
+          <p:cNvPr id="399" name="Straight Connector 381">
+            <a:extLst>
+              <a:ext uri="{FF2B5EF4-FFF2-40B4-BE49-F238E27FC236}">
+                <a16:creationId xmlns:a16="http://schemas.microsoft.com/office/drawing/2014/main" id="{322AA989-1D1F-4048-A42C-6143AC5069D5}"/>
+              </a:ext>
+            </a:extLst>
+          </p:cNvPr>
+          <p:cNvCxnSpPr>
+            <a:cxnSpLocks/>
+            <a:stCxn id="16" idx="3"/>
+            <a:endCxn id="224" idx="2"/>
+          </p:cNvCxnSpPr>
+          <p:nvPr/>
+        </p:nvCxnSpPr>
+        <p:spPr>
+          <a:xfrm flipV="1">
+            <a:off x="5563072" y="3357880"/>
+            <a:ext cx="144653" cy="594108"/>
+          </a:xfrm>
+          <a:prstGeom prst="bentConnector2">
+            <a:avLst/>
+          </a:prstGeom>
+          <a:ln w="19050">
+            <a:solidFill>
+              <a:schemeClr val="accent5">
+                <a:lumMod val="75000"/>
+              </a:schemeClr>
+            </a:solidFill>
+            <a:prstDash val="solid"/>
+            <a:headEnd type="none" w="med" len="med"/>
+            <a:tailEnd type="arrow" w="med" len="med"/>
+          </a:ln>
+          <a:effectLst/>
+        </p:spPr>
+        <p:style>
+          <a:lnRef idx="1">
+            <a:schemeClr val="accent2"/>
+          </a:lnRef>
+          <a:fillRef idx="2">
+            <a:schemeClr val="accent2"/>
+          </a:fillRef>
+          <a:effectRef idx="1">
+            <a:schemeClr val="accent2"/>
+          </a:effectRef>
+          <a:fontRef idx="minor">
+            <a:schemeClr val="dk1"/>
+          </a:fontRef>
+        </p:style>
+      </p:cxnSp>
+      <p:sp>
+        <p:nvSpPr>
+          <p:cNvPr id="410" name="Isosceles Triangle 102">
+            <a:extLst>
+              <a:ext uri="{FF2B5EF4-FFF2-40B4-BE49-F238E27FC236}">
+                <a16:creationId xmlns:a16="http://schemas.microsoft.com/office/drawing/2014/main" id="{98EA7F74-86E9-4AE1-B666-7057B7AAFFE0}"/>
+              </a:ext>
+            </a:extLst>
+          </p:cNvPr>
+          <p:cNvSpPr/>
+          <p:nvPr/>
+        </p:nvSpPr>
+        <p:spPr>
+          <a:xfrm flipH="1">
+            <a:off x="4522385" y="3351742"/>
+            <a:ext cx="194421" cy="154515"/>
+          </a:xfrm>
+          <a:prstGeom prst="triangle">
+            <a:avLst/>
+          </a:prstGeom>
+          <a:ln w="12700"/>
+        </p:spPr>
+        <p:style>
+          <a:lnRef idx="2">
+            <a:schemeClr val="accent5">
+              <a:shade val="50000"/>
+            </a:schemeClr>
+          </a:lnRef>
+          <a:fillRef idx="1">
+            <a:schemeClr val="accent5"/>
+          </a:fillRef>
+          <a:effectRef idx="0">
+            <a:schemeClr val="accent5"/>
+          </a:effectRef>
+          <a:fontRef idx="minor">
+            <a:schemeClr val="lt1"/>
+          </a:fontRef>
+        </p:style>
+        <p:txBody>
+          <a:bodyPr rtlCol="0" anchor="ctr"/>
+          <a:lstStyle/>
+          <a:p>
+            <a:pPr algn="ctr"/>
+            <a:endParaRPr lang="en-SG" sz="1050" b="1">
+              <a:solidFill>
+                <a:srgbClr val="92D050"/>
+              </a:solidFill>
+            </a:endParaRPr>
+          </a:p>
+        </p:txBody>
+      </p:sp>
+      <p:sp>
+        <p:nvSpPr>
+          <p:cNvPr id="411" name="Isosceles Triangle 102">
+            <a:extLst>
+              <a:ext uri="{FF2B5EF4-FFF2-40B4-BE49-F238E27FC236}">
+                <a16:creationId xmlns:a16="http://schemas.microsoft.com/office/drawing/2014/main" id="{59C022F2-6BF9-4121-9CFC-C5E1390AEEC2}"/>
+              </a:ext>
+            </a:extLst>
+          </p:cNvPr>
+          <p:cNvSpPr/>
+          <p:nvPr/>
+        </p:nvSpPr>
+        <p:spPr>
+          <a:xfrm flipH="1">
+            <a:off x="3448469" y="3358506"/>
+            <a:ext cx="194421" cy="154515"/>
+          </a:xfrm>
+          <a:prstGeom prst="triangle">
+            <a:avLst/>
+          </a:prstGeom>
+          <a:ln w="12700"/>
+        </p:spPr>
+        <p:style>
+          <a:lnRef idx="2">
+            <a:schemeClr val="accent5">
+              <a:shade val="50000"/>
+            </a:schemeClr>
+          </a:lnRef>
+          <a:fillRef idx="1">
+            <a:schemeClr val="accent5"/>
+          </a:fillRef>
+          <a:effectRef idx="0">
+            <a:schemeClr val="accent5"/>
+          </a:effectRef>
+          <a:fontRef idx="minor">
+            <a:schemeClr val="lt1"/>
+          </a:fontRef>
+        </p:style>
+        <p:txBody>
+          <a:bodyPr rtlCol="0" anchor="ctr"/>
+          <a:lstStyle/>
+          <a:p>
+            <a:pPr algn="ctr"/>
+            <a:endParaRPr lang="en-SG" sz="1050" b="1">
+              <a:solidFill>
+                <a:srgbClr val="92D050"/>
+              </a:solidFill>
+            </a:endParaRPr>
+          </a:p>
+        </p:txBody>
+      </p:sp>
+      <p:sp>
+        <p:nvSpPr>
+          <p:cNvPr id="412" name="Isosceles Triangle 102">
+            <a:extLst>
+              <a:ext uri="{FF2B5EF4-FFF2-40B4-BE49-F238E27FC236}">
+                <a16:creationId xmlns:a16="http://schemas.microsoft.com/office/drawing/2014/main" id="{55C79A04-CC9C-423F-BB5D-E29627A3B3E2}"/>
+              </a:ext>
+            </a:extLst>
+          </p:cNvPr>
+          <p:cNvSpPr/>
+          <p:nvPr/>
+        </p:nvSpPr>
+        <p:spPr>
+          <a:xfrm flipH="1">
+            <a:off x="5608745" y="3362939"/>
+            <a:ext cx="194421" cy="154515"/>
+          </a:xfrm>
+          <a:prstGeom prst="triangle">
+            <a:avLst/>
+          </a:prstGeom>
+          <a:ln w="12700"/>
+        </p:spPr>
+        <p:style>
+          <a:lnRef idx="2">
+            <a:schemeClr val="accent5">
+              <a:shade val="50000"/>
+            </a:schemeClr>
+          </a:lnRef>
+          <a:fillRef idx="1">
+            <a:schemeClr val="accent5"/>
+          </a:fillRef>
+          <a:effectRef idx="0">
+            <a:schemeClr val="accent5"/>
+          </a:effectRef>
+          <a:fontRef idx="minor">
+            <a:schemeClr val="lt1"/>
+          </a:fontRef>
+        </p:style>
+        <p:txBody>
+          <a:bodyPr rtlCol="0" anchor="ctr"/>
+          <a:lstStyle/>
+          <a:p>
+            <a:pPr algn="ctr"/>
+            <a:endParaRPr lang="en-SG" sz="1050" b="1">
+              <a:solidFill>
+                <a:srgbClr val="92D050"/>
+              </a:solidFill>
+            </a:endParaRPr>
+          </a:p>
+        </p:txBody>
+      </p:sp>
+      <p:sp>
+        <p:nvSpPr>
+          <p:cNvPr id="413" name="Isosceles Triangle 102">
+            <a:extLst>
+              <a:ext uri="{FF2B5EF4-FFF2-40B4-BE49-F238E27FC236}">
+                <a16:creationId xmlns:a16="http://schemas.microsoft.com/office/drawing/2014/main" id="{E84DA345-F0C1-4D83-9BBE-0245FA430660}"/>
+              </a:ext>
+            </a:extLst>
+          </p:cNvPr>
+          <p:cNvSpPr/>
+          <p:nvPr/>
+        </p:nvSpPr>
+        <p:spPr>
+          <a:xfrm flipH="1">
+            <a:off x="6692910" y="3348208"/>
+            <a:ext cx="194421" cy="154515"/>
+          </a:xfrm>
+          <a:prstGeom prst="triangle">
+            <a:avLst/>
+          </a:prstGeom>
+          <a:ln w="12700"/>
+        </p:spPr>
+        <p:style>
+          <a:lnRef idx="2">
+            <a:schemeClr val="accent5">
+              <a:shade val="50000"/>
+            </a:schemeClr>
+          </a:lnRef>
+          <a:fillRef idx="1">
+            <a:schemeClr val="accent5"/>
+          </a:fillRef>
+          <a:effectRef idx="0">
+            <a:schemeClr val="accent5"/>
+          </a:effectRef>
+          <a:fontRef idx="minor">
+            <a:schemeClr val="lt1"/>
+          </a:fontRef>
+        </p:style>
+        <p:txBody>
+          <a:bodyPr rtlCol="0" anchor="ctr"/>
+          <a:lstStyle/>
+          <a:p>
+            <a:pPr algn="ctr"/>
+            <a:endParaRPr lang="en-SG" sz="1050" b="1">
+              <a:solidFill>
+                <a:srgbClr val="92D050"/>
               </a:solidFill>
             </a:endParaRPr>
           </a:p>
@@ -6513,7 +7529,39 @@
       </a:bgFillStyleLst>
     </a:fmtScheme>
   </a:themeElements>
-  <a:objectDefaults/>
+  <a:objectDefaults>
+    <a:lnDef>
+      <a:spPr>
+        <a:ln w="19050">
+          <a:solidFill>
+            <a:schemeClr val="accent5">
+              <a:lumMod val="75000"/>
+            </a:schemeClr>
+          </a:solidFill>
+          <a:prstDash val="sysDot"/>
+          <a:headEnd type="none" w="med" len="med"/>
+          <a:tailEnd type="arrow" w="med" len="med"/>
+        </a:ln>
+        <a:effectLst/>
+      </a:spPr>
+      <a:bodyPr/>
+      <a:lstStyle/>
+      <a:style>
+        <a:lnRef idx="1">
+          <a:schemeClr val="accent2"/>
+        </a:lnRef>
+        <a:fillRef idx="2">
+          <a:schemeClr val="accent2"/>
+        </a:fillRef>
+        <a:effectRef idx="1">
+          <a:schemeClr val="accent2"/>
+        </a:effectRef>
+        <a:fontRef idx="minor">
+          <a:schemeClr val="dk1"/>
+        </a:fontRef>
+      </a:style>
+    </a:lnDef>
+  </a:objectDefaults>
   <a:extraClrSchemeLst/>
 </a:theme>
 </file>

--- a/docs/diagrams/LogicComponentClassDiagram.pptx
+++ b/docs/diagrams/LogicComponentClassDiagram.pptx
@@ -208,7 +208,7 @@
           <a:p>
             <a:fld id="{F5CC4B3F-88C1-4FFA-B1B6-F41C21DC6924}" type="datetimeFigureOut">
               <a:rPr lang="en-US" smtClean="0"/>
-              <a:t>4/1/2019</a:t>
+              <a:t>4/15/2019</a:t>
             </a:fld>
             <a:endParaRPr lang="en-US"/>
           </a:p>
@@ -654,7 +654,7 @@
           <a:p>
             <a:fld id="{78C97017-6FC3-485B-9764-EAC9E56C1D49}" type="datetimeFigureOut">
               <a:rPr lang="en-US" smtClean="0"/>
-              <a:t>4/1/2019</a:t>
+              <a:t>4/15/2019</a:t>
             </a:fld>
             <a:endParaRPr lang="en-US"/>
           </a:p>
@@ -822,7 +822,7 @@
           <a:p>
             <a:fld id="{78C97017-6FC3-485B-9764-EAC9E56C1D49}" type="datetimeFigureOut">
               <a:rPr lang="en-US" smtClean="0"/>
-              <a:t>4/1/2019</a:t>
+              <a:t>4/15/2019</a:t>
             </a:fld>
             <a:endParaRPr lang="en-US"/>
           </a:p>
@@ -1000,7 +1000,7 @@
           <a:p>
             <a:fld id="{78C97017-6FC3-485B-9764-EAC9E56C1D49}" type="datetimeFigureOut">
               <a:rPr lang="en-US" smtClean="0"/>
-              <a:t>4/1/2019</a:t>
+              <a:t>4/15/2019</a:t>
             </a:fld>
             <a:endParaRPr lang="en-US"/>
           </a:p>
@@ -1168,7 +1168,7 @@
           <a:p>
             <a:fld id="{78C97017-6FC3-485B-9764-EAC9E56C1D49}" type="datetimeFigureOut">
               <a:rPr lang="en-US" smtClean="0"/>
-              <a:t>4/1/2019</a:t>
+              <a:t>4/15/2019</a:t>
             </a:fld>
             <a:endParaRPr lang="en-US"/>
           </a:p>
@@ -1413,7 +1413,7 @@
           <a:p>
             <a:fld id="{78C97017-6FC3-485B-9764-EAC9E56C1D49}" type="datetimeFigureOut">
               <a:rPr lang="en-US" smtClean="0"/>
-              <a:t>4/1/2019</a:t>
+              <a:t>4/15/2019</a:t>
             </a:fld>
             <a:endParaRPr lang="en-US"/>
           </a:p>
@@ -1698,7 +1698,7 @@
           <a:p>
             <a:fld id="{78C97017-6FC3-485B-9764-EAC9E56C1D49}" type="datetimeFigureOut">
               <a:rPr lang="en-US" smtClean="0"/>
-              <a:t>4/1/2019</a:t>
+              <a:t>4/15/2019</a:t>
             </a:fld>
             <a:endParaRPr lang="en-US"/>
           </a:p>
@@ -2117,7 +2117,7 @@
           <a:p>
             <a:fld id="{78C97017-6FC3-485B-9764-EAC9E56C1D49}" type="datetimeFigureOut">
               <a:rPr lang="en-US" smtClean="0"/>
-              <a:t>4/1/2019</a:t>
+              <a:t>4/15/2019</a:t>
             </a:fld>
             <a:endParaRPr lang="en-US"/>
           </a:p>
@@ -2234,7 +2234,7 @@
           <a:p>
             <a:fld id="{78C97017-6FC3-485B-9764-EAC9E56C1D49}" type="datetimeFigureOut">
               <a:rPr lang="en-US" smtClean="0"/>
-              <a:t>4/1/2019</a:t>
+              <a:t>4/15/2019</a:t>
             </a:fld>
             <a:endParaRPr lang="en-US"/>
           </a:p>
@@ -2329,7 +2329,7 @@
           <a:p>
             <a:fld id="{78C97017-6FC3-485B-9764-EAC9E56C1D49}" type="datetimeFigureOut">
               <a:rPr lang="en-US" smtClean="0"/>
-              <a:t>4/1/2019</a:t>
+              <a:t>4/15/2019</a:t>
             </a:fld>
             <a:endParaRPr lang="en-US"/>
           </a:p>
@@ -2604,7 +2604,7 @@
           <a:p>
             <a:fld id="{78C97017-6FC3-485B-9764-EAC9E56C1D49}" type="datetimeFigureOut">
               <a:rPr lang="en-US" smtClean="0"/>
-              <a:t>4/1/2019</a:t>
+              <a:t>4/15/2019</a:t>
             </a:fld>
             <a:endParaRPr lang="en-US"/>
           </a:p>
@@ -2856,7 +2856,7 @@
           <a:p>
             <a:fld id="{78C97017-6FC3-485B-9764-EAC9E56C1D49}" type="datetimeFigureOut">
               <a:rPr lang="en-US" smtClean="0"/>
-              <a:t>4/1/2019</a:t>
+              <a:t>4/15/2019</a:t>
             </a:fld>
             <a:endParaRPr lang="en-US"/>
           </a:p>
@@ -3067,7 +3067,7 @@
           <a:p>
             <a:fld id="{78C97017-6FC3-485B-9764-EAC9E56C1D49}" type="datetimeFigureOut">
               <a:rPr lang="en-US" smtClean="0"/>
-              <a:t>4/1/2019</a:t>
+              <a:t>4/15/2019</a:t>
             </a:fld>
             <a:endParaRPr lang="en-US"/>
           </a:p>
@@ -3547,7 +3547,7 @@
           <a:p>
             <a:pPr algn="ctr"/>
             <a:r>
-              <a:rPr lang="en-US" sz="1050" dirty="0" err="1">
+              <a:rPr lang="en-US" sz="1050">
                 <a:solidFill>
                   <a:schemeClr val="bg1"/>
                 </a:solidFill>
@@ -3681,6 +3681,7 @@
         <p:nvCxnSpPr>
           <p:cNvPr id="6" name="Elbow Connector 63"/>
           <p:cNvCxnSpPr>
+            <a:cxnSpLocks/>
             <a:stCxn id="12" idx="3"/>
             <a:endCxn id="3" idx="3"/>
           </p:cNvCxnSpPr>
@@ -3725,6 +3726,7 @@
         <p:nvCxnSpPr>
           <p:cNvPr id="8" name="Elbow Connector 122"/>
           <p:cNvCxnSpPr>
+            <a:cxnSpLocks/>
             <a:endCxn id="3" idx="1"/>
           </p:cNvCxnSpPr>
           <p:nvPr/>
@@ -3903,8 +3905,8 @@
         </p:nvSpPr>
         <p:spPr>
           <a:xfrm>
-            <a:off x="4744784" y="3734842"/>
-            <a:ext cx="818288" cy="434292"/>
+            <a:off x="4780344" y="3734842"/>
+            <a:ext cx="772043" cy="434292"/>
           </a:xfrm>
           <a:prstGeom prst="rect">
             <a:avLst/>
@@ -3978,6 +3980,7 @@
         <p:nvCxnSpPr>
           <p:cNvPr id="18" name="Straight Arrow Connector 110"/>
           <p:cNvCxnSpPr>
+            <a:cxnSpLocks/>
             <a:stCxn id="12" idx="2"/>
           </p:cNvCxnSpPr>
           <p:nvPr/>
@@ -4143,6 +4146,7 @@
         <p:nvCxnSpPr>
           <p:cNvPr id="21" name="Elbow Connector 63"/>
           <p:cNvCxnSpPr>
+            <a:cxnSpLocks/>
             <a:stCxn id="5" idx="1"/>
             <a:endCxn id="20" idx="3"/>
           </p:cNvCxnSpPr>
@@ -4509,13 +4513,15 @@
       <p:cxnSp>
         <p:nvCxnSpPr>
           <p:cNvPr id="39" name="Elbow Connector 122"/>
-          <p:cNvCxnSpPr/>
+          <p:cNvCxnSpPr>
+            <a:cxnSpLocks/>
+          </p:cNvCxnSpPr>
           <p:nvPr/>
         </p:nvCxnSpPr>
         <p:spPr>
           <a:xfrm rot="5400000" flipH="1" flipV="1">
-            <a:off x="1193276" y="2601868"/>
-            <a:ext cx="1969553" cy="2764"/>
+            <a:off x="1086006" y="2497360"/>
+            <a:ext cx="2181332" cy="2"/>
           </a:xfrm>
           <a:prstGeom prst="bentConnector3">
             <a:avLst>
@@ -5083,6 +5089,7 @@
         <p:nvCxnSpPr>
           <p:cNvPr id="96" name="Elbow Connector 95"/>
           <p:cNvCxnSpPr>
+            <a:cxnSpLocks/>
             <a:stCxn id="87" idx="3"/>
             <a:endCxn id="4" idx="2"/>
           </p:cNvCxnSpPr>
@@ -5565,8 +5572,8 @@
         </p:nvSpPr>
         <p:spPr>
           <a:xfrm flipH="1">
-            <a:off x="5537834" y="2020446"/>
-            <a:ext cx="270504" cy="175523"/>
+            <a:off x="5607188" y="2028515"/>
+            <a:ext cx="133803" cy="110228"/>
           </a:xfrm>
           <a:prstGeom prst="triangle">
             <a:avLst/>
@@ -6019,15 +6026,15 @@
         </p:nvCxnSpPr>
         <p:spPr>
           <a:xfrm rot="16200000" flipH="1">
-            <a:off x="5636555" y="2232499"/>
-            <a:ext cx="74626" cy="1565"/>
+            <a:off x="5608444" y="2204388"/>
+            <a:ext cx="131852" cy="562"/>
           </a:xfrm>
           <a:prstGeom prst="bentConnector3">
             <a:avLst>
               <a:gd name="adj1" fmla="val 50000"/>
             </a:avLst>
           </a:prstGeom>
-          <a:ln>
+          <a:ln w="19050">
             <a:solidFill>
               <a:schemeClr val="accent5">
                 <a:lumMod val="75000"/>
@@ -6839,15 +6846,14 @@
           </p:cNvPr>
           <p:cNvCxnSpPr>
             <a:cxnSpLocks/>
-            <a:stCxn id="16" idx="1"/>
             <a:endCxn id="222" idx="2"/>
           </p:cNvCxnSpPr>
           <p:nvPr/>
         </p:nvCxnSpPr>
         <p:spPr>
           <a:xfrm rot="10800000">
-            <a:off x="3540976" y="3354740"/>
-            <a:ext cx="1203808" cy="597249"/>
+            <a:off x="3540977" y="3354739"/>
+            <a:ext cx="1224689" cy="757124"/>
           </a:xfrm>
           <a:prstGeom prst="bentConnector2">
             <a:avLst/>
@@ -6860,7 +6866,7 @@
             </a:solidFill>
             <a:prstDash val="solid"/>
             <a:headEnd type="none" w="med" len="med"/>
-            <a:tailEnd type="arrow" w="med" len="med"/>
+            <a:tailEnd type="none" w="med" len="med"/>
           </a:ln>
           <a:effectLst/>
         </p:spPr>
@@ -6898,7 +6904,7 @@
         <p:spPr>
           <a:xfrm rot="10800000">
             <a:off x="4619916" y="3355278"/>
-            <a:ext cx="124868" cy="596710"/>
+            <a:ext cx="160428" cy="596710"/>
           </a:xfrm>
           <a:prstGeom prst="bentConnector2">
             <a:avLst/>
@@ -6911,7 +6917,7 @@
             </a:solidFill>
             <a:prstDash val="solid"/>
             <a:headEnd type="none" w="med" len="med"/>
-            <a:tailEnd type="arrow" w="med" len="med"/>
+            <a:tailEnd type="none" w="med" len="med"/>
           </a:ln>
           <a:effectLst/>
         </p:spPr>
@@ -6941,15 +6947,14 @@
           </p:cNvPr>
           <p:cNvCxnSpPr>
             <a:cxnSpLocks/>
-            <a:stCxn id="16" idx="3"/>
             <a:endCxn id="223" idx="2"/>
           </p:cNvCxnSpPr>
           <p:nvPr/>
         </p:nvCxnSpPr>
         <p:spPr>
           <a:xfrm flipV="1">
-            <a:off x="5563072" y="3355278"/>
-            <a:ext cx="1231393" cy="596710"/>
+            <a:off x="5567334" y="3355278"/>
+            <a:ext cx="1227131" cy="750922"/>
           </a:xfrm>
           <a:prstGeom prst="bentConnector2">
             <a:avLst/>
@@ -6962,7 +6967,7 @@
             </a:solidFill>
             <a:prstDash val="solid"/>
             <a:headEnd type="none" w="med" len="med"/>
-            <a:tailEnd type="arrow" w="med" len="med"/>
+            <a:tailEnd type="none" w="med" len="med"/>
           </a:ln>
           <a:effectLst/>
         </p:spPr>
@@ -6999,8 +7004,8 @@
         </p:nvCxnSpPr>
         <p:spPr>
           <a:xfrm flipV="1">
-            <a:off x="5563072" y="3357880"/>
-            <a:ext cx="144653" cy="594108"/>
+            <a:off x="5552387" y="3357880"/>
+            <a:ext cx="155338" cy="594108"/>
           </a:xfrm>
           <a:prstGeom prst="bentConnector2">
             <a:avLst/>
@@ -7013,7 +7018,7 @@
             </a:solidFill>
             <a:prstDash val="solid"/>
             <a:headEnd type="none" w="med" len="med"/>
-            <a:tailEnd type="arrow" w="med" len="med"/>
+            <a:tailEnd type="none" w="med" len="med"/>
           </a:ln>
           <a:effectLst/>
         </p:spPr>
@@ -7034,10 +7039,10 @@
       </p:cxnSp>
       <p:sp>
         <p:nvSpPr>
-          <p:cNvPr id="410" name="Isosceles Triangle 102">
+          <p:cNvPr id="80" name="Isosceles Triangle 102">
             <a:extLst>
               <a:ext uri="{FF2B5EF4-FFF2-40B4-BE49-F238E27FC236}">
-                <a16:creationId xmlns:a16="http://schemas.microsoft.com/office/drawing/2014/main" id="{98EA7F74-86E9-4AE1-B666-7057B7AAFFE0}"/>
+                <a16:creationId xmlns:a16="http://schemas.microsoft.com/office/drawing/2014/main" id="{5E7708EB-EF7E-4831-B093-84C85718C4F3}"/>
               </a:ext>
             </a:extLst>
           </p:cNvPr>
@@ -7045,9 +7050,9 @@
           <p:nvPr/>
         </p:nvSpPr>
         <p:spPr>
-          <a:xfrm flipH="1">
-            <a:off x="4522385" y="3351742"/>
-            <a:ext cx="194421" cy="154515"/>
+          <a:xfrm rot="5400000" flipH="1">
+            <a:off x="4656891" y="4044227"/>
+            <a:ext cx="133803" cy="110228"/>
           </a:xfrm>
           <a:prstGeom prst="triangle">
             <a:avLst/>
@@ -7085,10 +7090,10 @@
       </p:sp>
       <p:sp>
         <p:nvSpPr>
-          <p:cNvPr id="411" name="Isosceles Triangle 102">
+          <p:cNvPr id="82" name="Isosceles Triangle 102">
             <a:extLst>
               <a:ext uri="{FF2B5EF4-FFF2-40B4-BE49-F238E27FC236}">
-                <a16:creationId xmlns:a16="http://schemas.microsoft.com/office/drawing/2014/main" id="{59C022F2-6BF9-4121-9CFC-C5E1390AEEC2}"/>
+                <a16:creationId xmlns:a16="http://schemas.microsoft.com/office/drawing/2014/main" id="{C094550E-ADAD-4FA5-BC77-67B666BEB1BF}"/>
               </a:ext>
             </a:extLst>
           </p:cNvPr>
@@ -7096,9 +7101,9 @@
           <p:nvPr/>
         </p:nvSpPr>
         <p:spPr>
-          <a:xfrm flipH="1">
-            <a:off x="3448469" y="3358506"/>
-            <a:ext cx="194421" cy="154515"/>
+          <a:xfrm rot="5400000" flipH="1">
+            <a:off x="4656891" y="3893673"/>
+            <a:ext cx="133803" cy="110228"/>
           </a:xfrm>
           <a:prstGeom prst="triangle">
             <a:avLst/>
@@ -7136,10 +7141,10 @@
       </p:sp>
       <p:sp>
         <p:nvSpPr>
-          <p:cNvPr id="412" name="Isosceles Triangle 102">
+          <p:cNvPr id="84" name="Isosceles Triangle 102">
             <a:extLst>
               <a:ext uri="{FF2B5EF4-FFF2-40B4-BE49-F238E27FC236}">
-                <a16:creationId xmlns:a16="http://schemas.microsoft.com/office/drawing/2014/main" id="{55C79A04-CC9C-423F-BB5D-E29627A3B3E2}"/>
+                <a16:creationId xmlns:a16="http://schemas.microsoft.com/office/drawing/2014/main" id="{5AA355F3-101C-48BD-923F-AB987D3D4D2E}"/>
               </a:ext>
             </a:extLst>
           </p:cNvPr>
@@ -7147,9 +7152,9 @@
           <p:nvPr/>
         </p:nvSpPr>
         <p:spPr>
-          <a:xfrm flipH="1">
-            <a:off x="5608745" y="3362939"/>
-            <a:ext cx="194421" cy="154515"/>
+          <a:xfrm rot="16200000" flipH="1">
+            <a:off x="5545801" y="3899142"/>
+            <a:ext cx="133803" cy="110228"/>
           </a:xfrm>
           <a:prstGeom prst="triangle">
             <a:avLst/>
@@ -7187,10 +7192,10 @@
       </p:sp>
       <p:sp>
         <p:nvSpPr>
-          <p:cNvPr id="413" name="Isosceles Triangle 102">
+          <p:cNvPr id="90" name="Isosceles Triangle 102">
             <a:extLst>
               <a:ext uri="{FF2B5EF4-FFF2-40B4-BE49-F238E27FC236}">
-                <a16:creationId xmlns:a16="http://schemas.microsoft.com/office/drawing/2014/main" id="{E84DA345-F0C1-4D83-9BBE-0245FA430660}"/>
+                <a16:creationId xmlns:a16="http://schemas.microsoft.com/office/drawing/2014/main" id="{ECF90DC0-4294-40AC-8CE8-4A9DB17C3DEF}"/>
               </a:ext>
             </a:extLst>
           </p:cNvPr>
@@ -7198,9 +7203,9 @@
           <p:nvPr/>
         </p:nvSpPr>
         <p:spPr>
-          <a:xfrm flipH="1">
-            <a:off x="6692910" y="3348208"/>
-            <a:ext cx="194421" cy="154515"/>
+          <a:xfrm rot="16200000" flipH="1">
+            <a:off x="5552637" y="4044227"/>
+            <a:ext cx="133803" cy="110228"/>
           </a:xfrm>
           <a:prstGeom prst="triangle">
             <a:avLst/>
